--- a/docs/diagrams/SetCategoriesActivityDiagram.pptx
+++ b/docs/diagrams/SetCategoriesActivityDiagram.pptx
@@ -66,10 +66,10 @@
         <a:latin typeface="+mj-lt"/>
         <a:ea typeface="+mj-ea"/>
         <a:cs typeface="+mj-cs"/>
-        <a:sym typeface="Calibri"/>
+        <a:sym typeface="Helvetica"/>
       </a:defRPr>
     </a:lvl1pPr>
-    <a:lvl2pPr marL="0" marR="0" indent="457200" algn="l" defTabSz="914400" rtl="0" fontAlgn="auto" latinLnBrk="0" hangingPunct="0">
+    <a:lvl2pPr marL="0" marR="0" indent="0" algn="l" defTabSz="914400" rtl="0" fontAlgn="auto" latinLnBrk="0" hangingPunct="0">
       <a:lnSpc>
         <a:spcPct val="100000"/>
       </a:lnSpc>
@@ -96,10 +96,10 @@
         <a:latin typeface="+mj-lt"/>
         <a:ea typeface="+mj-ea"/>
         <a:cs typeface="+mj-cs"/>
-        <a:sym typeface="Calibri"/>
+        <a:sym typeface="Helvetica"/>
       </a:defRPr>
     </a:lvl2pPr>
-    <a:lvl3pPr marL="0" marR="0" indent="914400" algn="l" defTabSz="914400" rtl="0" fontAlgn="auto" latinLnBrk="0" hangingPunct="0">
+    <a:lvl3pPr marL="0" marR="0" indent="0" algn="l" defTabSz="914400" rtl="0" fontAlgn="auto" latinLnBrk="0" hangingPunct="0">
       <a:lnSpc>
         <a:spcPct val="100000"/>
       </a:lnSpc>
@@ -126,10 +126,10 @@
         <a:latin typeface="+mj-lt"/>
         <a:ea typeface="+mj-ea"/>
         <a:cs typeface="+mj-cs"/>
-        <a:sym typeface="Calibri"/>
+        <a:sym typeface="Helvetica"/>
       </a:defRPr>
     </a:lvl3pPr>
-    <a:lvl4pPr marL="0" marR="0" indent="1371600" algn="l" defTabSz="914400" rtl="0" fontAlgn="auto" latinLnBrk="0" hangingPunct="0">
+    <a:lvl4pPr marL="0" marR="0" indent="0" algn="l" defTabSz="914400" rtl="0" fontAlgn="auto" latinLnBrk="0" hangingPunct="0">
       <a:lnSpc>
         <a:spcPct val="100000"/>
       </a:lnSpc>
@@ -156,10 +156,10 @@
         <a:latin typeface="+mj-lt"/>
         <a:ea typeface="+mj-ea"/>
         <a:cs typeface="+mj-cs"/>
-        <a:sym typeface="Calibri"/>
+        <a:sym typeface="Helvetica"/>
       </a:defRPr>
     </a:lvl4pPr>
-    <a:lvl5pPr marL="0" marR="0" indent="1828800" algn="l" defTabSz="914400" rtl="0" fontAlgn="auto" latinLnBrk="0" hangingPunct="0">
+    <a:lvl5pPr marL="0" marR="0" indent="0" algn="l" defTabSz="914400" rtl="0" fontAlgn="auto" latinLnBrk="0" hangingPunct="0">
       <a:lnSpc>
         <a:spcPct val="100000"/>
       </a:lnSpc>
@@ -186,10 +186,10 @@
         <a:latin typeface="+mj-lt"/>
         <a:ea typeface="+mj-ea"/>
         <a:cs typeface="+mj-cs"/>
-        <a:sym typeface="Calibri"/>
+        <a:sym typeface="Helvetica"/>
       </a:defRPr>
     </a:lvl5pPr>
-    <a:lvl6pPr marL="0" marR="0" indent="2286000" algn="l" defTabSz="914400" rtl="0" fontAlgn="auto" latinLnBrk="0" hangingPunct="0">
+    <a:lvl6pPr marL="0" marR="0" indent="0" algn="l" defTabSz="914400" rtl="0" fontAlgn="auto" latinLnBrk="0" hangingPunct="0">
       <a:lnSpc>
         <a:spcPct val="100000"/>
       </a:lnSpc>
@@ -216,10 +216,10 @@
         <a:latin typeface="+mj-lt"/>
         <a:ea typeface="+mj-ea"/>
         <a:cs typeface="+mj-cs"/>
-        <a:sym typeface="Calibri"/>
+        <a:sym typeface="Helvetica"/>
       </a:defRPr>
     </a:lvl6pPr>
-    <a:lvl7pPr marL="0" marR="0" indent="2743200" algn="l" defTabSz="914400" rtl="0" fontAlgn="auto" latinLnBrk="0" hangingPunct="0">
+    <a:lvl7pPr marL="0" marR="0" indent="0" algn="l" defTabSz="914400" rtl="0" fontAlgn="auto" latinLnBrk="0" hangingPunct="0">
       <a:lnSpc>
         <a:spcPct val="100000"/>
       </a:lnSpc>
@@ -246,10 +246,10 @@
         <a:latin typeface="+mj-lt"/>
         <a:ea typeface="+mj-ea"/>
         <a:cs typeface="+mj-cs"/>
-        <a:sym typeface="Calibri"/>
+        <a:sym typeface="Helvetica"/>
       </a:defRPr>
     </a:lvl7pPr>
-    <a:lvl8pPr marL="0" marR="0" indent="3200400" algn="l" defTabSz="914400" rtl="0" fontAlgn="auto" latinLnBrk="0" hangingPunct="0">
+    <a:lvl8pPr marL="0" marR="0" indent="0" algn="l" defTabSz="914400" rtl="0" fontAlgn="auto" latinLnBrk="0" hangingPunct="0">
       <a:lnSpc>
         <a:spcPct val="100000"/>
       </a:lnSpc>
@@ -276,10 +276,10 @@
         <a:latin typeface="+mj-lt"/>
         <a:ea typeface="+mj-ea"/>
         <a:cs typeface="+mj-cs"/>
-        <a:sym typeface="Calibri"/>
+        <a:sym typeface="Helvetica"/>
       </a:defRPr>
     </a:lvl8pPr>
-    <a:lvl9pPr marL="0" marR="0" indent="3657600" algn="l" defTabSz="914400" rtl="0" fontAlgn="auto" latinLnBrk="0" hangingPunct="0">
+    <a:lvl9pPr marL="0" marR="0" indent="0" algn="l" defTabSz="914400" rtl="0" fontAlgn="auto" latinLnBrk="0" hangingPunct="0">
       <a:lnSpc>
         <a:spcPct val="100000"/>
       </a:lnSpc>
@@ -306,7 +306,7 @@
         <a:latin typeface="+mj-lt"/>
         <a:ea typeface="+mj-ea"/>
         <a:cs typeface="+mj-cs"/>
-        <a:sym typeface="Calibri"/>
+        <a:sym typeface="Helvetica"/>
       </a:defRPr>
     </a:lvl9pPr>
   </p:defaultTextStyle>
@@ -390,73 +390,73 @@
   <p:notesStyle>
     <a:lvl1pPr latinLnBrk="0">
       <a:defRPr sz="1200">
-        <a:latin typeface="+mj-lt"/>
-        <a:ea typeface="+mj-ea"/>
-        <a:cs typeface="+mj-cs"/>
+        <a:latin typeface="+mn-lt"/>
+        <a:ea typeface="+mn-ea"/>
+        <a:cs typeface="+mn-cs"/>
         <a:sym typeface="Calibri"/>
       </a:defRPr>
     </a:lvl1pPr>
     <a:lvl2pPr indent="228600" latinLnBrk="0">
       <a:defRPr sz="1200">
-        <a:latin typeface="+mj-lt"/>
-        <a:ea typeface="+mj-ea"/>
-        <a:cs typeface="+mj-cs"/>
+        <a:latin typeface="+mn-lt"/>
+        <a:ea typeface="+mn-ea"/>
+        <a:cs typeface="+mn-cs"/>
         <a:sym typeface="Calibri"/>
       </a:defRPr>
     </a:lvl2pPr>
     <a:lvl3pPr indent="457200" latinLnBrk="0">
       <a:defRPr sz="1200">
-        <a:latin typeface="+mj-lt"/>
-        <a:ea typeface="+mj-ea"/>
-        <a:cs typeface="+mj-cs"/>
+        <a:latin typeface="+mn-lt"/>
+        <a:ea typeface="+mn-ea"/>
+        <a:cs typeface="+mn-cs"/>
         <a:sym typeface="Calibri"/>
       </a:defRPr>
     </a:lvl3pPr>
     <a:lvl4pPr indent="685800" latinLnBrk="0">
       <a:defRPr sz="1200">
-        <a:latin typeface="+mj-lt"/>
-        <a:ea typeface="+mj-ea"/>
-        <a:cs typeface="+mj-cs"/>
+        <a:latin typeface="+mn-lt"/>
+        <a:ea typeface="+mn-ea"/>
+        <a:cs typeface="+mn-cs"/>
         <a:sym typeface="Calibri"/>
       </a:defRPr>
     </a:lvl4pPr>
     <a:lvl5pPr indent="914400" latinLnBrk="0">
       <a:defRPr sz="1200">
-        <a:latin typeface="+mj-lt"/>
-        <a:ea typeface="+mj-ea"/>
-        <a:cs typeface="+mj-cs"/>
+        <a:latin typeface="+mn-lt"/>
+        <a:ea typeface="+mn-ea"/>
+        <a:cs typeface="+mn-cs"/>
         <a:sym typeface="Calibri"/>
       </a:defRPr>
     </a:lvl5pPr>
     <a:lvl6pPr indent="1143000" latinLnBrk="0">
       <a:defRPr sz="1200">
-        <a:latin typeface="+mj-lt"/>
-        <a:ea typeface="+mj-ea"/>
-        <a:cs typeface="+mj-cs"/>
+        <a:latin typeface="+mn-lt"/>
+        <a:ea typeface="+mn-ea"/>
+        <a:cs typeface="+mn-cs"/>
         <a:sym typeface="Calibri"/>
       </a:defRPr>
     </a:lvl6pPr>
     <a:lvl7pPr indent="1371600" latinLnBrk="0">
       <a:defRPr sz="1200">
-        <a:latin typeface="+mj-lt"/>
-        <a:ea typeface="+mj-ea"/>
-        <a:cs typeface="+mj-cs"/>
+        <a:latin typeface="+mn-lt"/>
+        <a:ea typeface="+mn-ea"/>
+        <a:cs typeface="+mn-cs"/>
         <a:sym typeface="Calibri"/>
       </a:defRPr>
     </a:lvl7pPr>
     <a:lvl8pPr indent="1600200" latinLnBrk="0">
       <a:defRPr sz="1200">
-        <a:latin typeface="+mj-lt"/>
-        <a:ea typeface="+mj-ea"/>
-        <a:cs typeface="+mj-cs"/>
+        <a:latin typeface="+mn-lt"/>
+        <a:ea typeface="+mn-ea"/>
+        <a:cs typeface="+mn-cs"/>
         <a:sym typeface="Calibri"/>
       </a:defRPr>
     </a:lvl8pPr>
     <a:lvl9pPr indent="1828800" latinLnBrk="0">
       <a:defRPr sz="1200">
-        <a:latin typeface="+mj-lt"/>
-        <a:ea typeface="+mj-ea"/>
-        <a:cs typeface="+mj-cs"/>
+        <a:latin typeface="+mn-lt"/>
+        <a:ea typeface="+mn-ea"/>
+        <a:cs typeface="+mn-cs"/>
         <a:sym typeface="Calibri"/>
       </a:defRPr>
     </a:lvl9pPr>
@@ -524,7 +524,7 @@
         <p:spPr>
           <a:xfrm>
             <a:off x="1524000" y="3602037"/>
-            <a:ext cx="9144000" cy="1655763"/>
+            <a:ext cx="9144000" cy="1655765"/>
           </a:xfrm>
           <a:prstGeom prst="rect">
             <a:avLst/>
@@ -539,25 +539,25 @@
               <a:buNone/>
               <a:defRPr sz="2400"/>
             </a:lvl1pPr>
-            <a:lvl2pPr marL="0" indent="457212" algn="ctr">
+            <a:lvl2pPr marL="0" indent="0" algn="ctr">
               <a:buSzTx/>
               <a:buFontTx/>
               <a:buNone/>
               <a:defRPr sz="2400"/>
             </a:lvl2pPr>
-            <a:lvl3pPr marL="0" indent="914422" algn="ctr">
+            <a:lvl3pPr marL="0" indent="0" algn="ctr">
               <a:buSzTx/>
               <a:buFontTx/>
               <a:buNone/>
               <a:defRPr sz="2400"/>
             </a:lvl3pPr>
-            <a:lvl4pPr marL="0" indent="1371634" algn="ctr">
+            <a:lvl4pPr marL="0" indent="0" algn="ctr">
               <a:buSzTx/>
               <a:buFontTx/>
               <a:buNone/>
               <a:defRPr sz="2400"/>
             </a:lvl4pPr>
-            <a:lvl5pPr marL="0" indent="1828845" algn="ctr">
+            <a:lvl5pPr marL="0" indent="0" algn="ctr">
               <a:buSzTx/>
               <a:buFontTx/>
               <a:buNone/>
@@ -807,7 +807,7 @@
         <p:spPr>
           <a:xfrm>
             <a:off x="831853" y="4589464"/>
-            <a:ext cx="10515601" cy="1500188"/>
+            <a:ext cx="10515601" cy="1500190"/>
           </a:xfrm>
           <a:prstGeom prst="rect">
             <a:avLst/>
@@ -826,7 +826,7 @@
                 </a:solidFill>
               </a:defRPr>
             </a:lvl1pPr>
-            <a:lvl2pPr marL="0" indent="457212">
+            <a:lvl2pPr marL="0" indent="0">
               <a:buSzTx/>
               <a:buFontTx/>
               <a:buNone/>
@@ -836,7 +836,7 @@
                 </a:solidFill>
               </a:defRPr>
             </a:lvl2pPr>
-            <a:lvl3pPr marL="0" indent="914422">
+            <a:lvl3pPr marL="0" indent="0">
               <a:buSzTx/>
               <a:buFontTx/>
               <a:buNone/>
@@ -846,7 +846,7 @@
                 </a:solidFill>
               </a:defRPr>
             </a:lvl3pPr>
-            <a:lvl4pPr marL="0" indent="1371634">
+            <a:lvl4pPr marL="0" indent="0">
               <a:buSzTx/>
               <a:buFontTx/>
               <a:buNone/>
@@ -856,7 +856,7 @@
                 </a:solidFill>
               </a:defRPr>
             </a:lvl4pPr>
-            <a:lvl5pPr marL="0" indent="1828845">
+            <a:lvl5pPr marL="0" indent="0">
               <a:buSzTx/>
               <a:buFontTx/>
               <a:buNone/>
@@ -982,7 +982,7 @@
         <p:spPr>
           <a:xfrm>
             <a:off x="838200" y="1825625"/>
-            <a:ext cx="5181601" cy="4351338"/>
+            <a:ext cx="5181602" cy="4351338"/>
           </a:xfrm>
           <a:prstGeom prst="rect">
             <a:avLst/>
@@ -1081,8 +1081,8 @@
         </p:nvSpPr>
         <p:spPr>
           <a:xfrm>
-            <a:off x="839788" y="365125"/>
-            <a:ext cx="10515601" cy="1325563"/>
+            <a:off x="839787" y="365125"/>
+            <a:ext cx="10515603" cy="1325563"/>
           </a:xfrm>
           <a:prstGeom prst="rect">
             <a:avLst/>
@@ -1110,7 +1110,7 @@
         <p:spPr>
           <a:xfrm>
             <a:off x="839790" y="1681163"/>
-            <a:ext cx="5157789" cy="823913"/>
+            <a:ext cx="5157790" cy="823915"/>
           </a:xfrm>
           <a:prstGeom prst="rect">
             <a:avLst/>
@@ -1125,25 +1125,25 @@
               <a:buNone/>
               <a:defRPr b="1" sz="2400"/>
             </a:lvl1pPr>
-            <a:lvl2pPr marL="0" indent="457212">
+            <a:lvl2pPr marL="0" indent="0">
               <a:buSzTx/>
               <a:buFontTx/>
               <a:buNone/>
               <a:defRPr b="1" sz="2400"/>
             </a:lvl2pPr>
-            <a:lvl3pPr marL="0" indent="914422">
+            <a:lvl3pPr marL="0" indent="0">
               <a:buSzTx/>
               <a:buFontTx/>
               <a:buNone/>
               <a:defRPr b="1" sz="2400"/>
             </a:lvl3pPr>
-            <a:lvl4pPr marL="0" indent="1371634">
+            <a:lvl4pPr marL="0" indent="0">
               <a:buSzTx/>
               <a:buFontTx/>
               <a:buNone/>
               <a:defRPr b="1" sz="2400"/>
             </a:lvl4pPr>
-            <a:lvl5pPr marL="0" indent="1828845">
+            <a:lvl5pPr marL="0" indent="0">
               <a:buSzTx/>
               <a:buFontTx/>
               <a:buNone/>
@@ -1193,7 +1193,7 @@
         <p:spPr>
           <a:xfrm>
             <a:off x="6172203" y="1681163"/>
-            <a:ext cx="5183189" cy="823913"/>
+            <a:ext cx="5183190" cy="823914"/>
           </a:xfrm>
           <a:prstGeom prst="rect">
             <a:avLst/>
@@ -1203,12 +1203,7 @@
           <a:bodyPr anchor="b"/>
           <a:lstStyle/>
           <a:p>
-            <a:pPr marL="0" indent="0">
-              <a:buSzTx/>
-              <a:buFontTx/>
-              <a:buNone/>
-              <a:defRPr b="1" sz="2400"/>
-            </a:pPr>
+            <a:pPr/>
           </a:p>
         </p:txBody>
       </p:sp>
@@ -1391,7 +1386,7 @@
         <p:spPr>
           <a:xfrm>
             <a:off x="839790" y="457200"/>
-            <a:ext cx="3932237" cy="1600200"/>
+            <a:ext cx="3932238" cy="1600200"/>
           </a:xfrm>
           <a:prstGeom prst="rect">
             <a:avLst/>
@@ -1435,13 +1430,13 @@
             <a:lvl1pPr>
               <a:defRPr sz="3200"/>
             </a:lvl1pPr>
-            <a:lvl2pPr marL="718475" indent="-261265">
+            <a:lvl2pPr marL="718474" indent="-261265">
               <a:defRPr sz="3200"/>
             </a:lvl2pPr>
             <a:lvl3pPr marL="1219231" indent="-304809">
               <a:defRPr sz="3200"/>
             </a:lvl3pPr>
-            <a:lvl4pPr marL="1737405" indent="-365771">
+            <a:lvl4pPr marL="1737404" indent="-365770">
               <a:defRPr sz="3200"/>
             </a:lvl4pPr>
             <a:lvl5pPr marL="2194617" indent="-365771">
@@ -1501,12 +1496,7 @@
           <a:bodyPr/>
           <a:lstStyle/>
           <a:p>
-            <a:pPr marL="0" indent="0">
-              <a:buSzTx/>
-              <a:buFontTx/>
-              <a:buNone/>
-              <a:defRPr sz="1600"/>
-            </a:pPr>
+            <a:pPr/>
           </a:p>
         </p:txBody>
       </p:sp>
@@ -1569,7 +1559,7 @@
         <p:spPr>
           <a:xfrm>
             <a:off x="839790" y="457200"/>
-            <a:ext cx="3932237" cy="1600200"/>
+            <a:ext cx="3932238" cy="1600200"/>
           </a:xfrm>
           <a:prstGeom prst="rect">
             <a:avLst/>
@@ -1608,7 +1598,7 @@
           </a:prstGeom>
         </p:spPr>
         <p:txBody>
-          <a:bodyPr lIns="91439" rIns="91439">
+          <a:bodyPr lIns="91439" tIns="45719" rIns="91439" bIns="45719">
             <a:noAutofit/>
           </a:bodyPr>
           <a:lstStyle/>
@@ -1628,7 +1618,7 @@
         <p:spPr>
           <a:xfrm>
             <a:off x="839790" y="2057400"/>
-            <a:ext cx="3932237" cy="3811588"/>
+            <a:ext cx="3932238" cy="3811588"/>
           </a:xfrm>
           <a:prstGeom prst="rect">
             <a:avLst/>
@@ -1643,25 +1633,25 @@
               <a:buNone/>
               <a:defRPr sz="1600"/>
             </a:lvl1pPr>
-            <a:lvl2pPr marL="0" indent="457212">
+            <a:lvl2pPr marL="0" indent="0">
               <a:buSzTx/>
               <a:buFontTx/>
               <a:buNone/>
               <a:defRPr sz="1600"/>
             </a:lvl2pPr>
-            <a:lvl3pPr marL="0" indent="914422">
+            <a:lvl3pPr marL="0" indent="0">
               <a:buSzTx/>
               <a:buFontTx/>
               <a:buNone/>
               <a:defRPr sz="1600"/>
             </a:lvl3pPr>
-            <a:lvl4pPr marL="0" indent="1371634">
+            <a:lvl4pPr marL="0" indent="0">
               <a:buSzTx/>
               <a:buFontTx/>
               <a:buNone/>
               <a:defRPr sz="1600"/>
             </a:lvl4pPr>
-            <a:lvl5pPr marL="0" indent="1828845">
+            <a:lvl5pPr marL="0" indent="0">
               <a:buSzTx/>
               <a:buFontTx/>
               <a:buNone/>
@@ -1781,7 +1771,7 @@
           </a:extLst>
         </p:spPr>
         <p:txBody>
-          <a:bodyPr lIns="45719" rIns="45719" anchor="ctr">
+          <a:bodyPr lIns="45718" tIns="45718" rIns="45718" bIns="45718" anchor="ctr">
             <a:normAutofit fontScale="100000" lnSpcReduction="0"/>
           </a:bodyPr>
           <a:lstStyle/>
@@ -1819,7 +1809,7 @@
           </a:extLst>
         </p:spPr>
         <p:txBody>
-          <a:bodyPr lIns="45719" rIns="45719">
+          <a:bodyPr lIns="45718" tIns="45718" rIns="45718" bIns="45718">
             <a:normAutofit fontScale="100000" lnSpcReduction="0"/>
           </a:bodyPr>
           <a:lstStyle/>
@@ -1865,8 +1855,8 @@
         </p:nvSpPr>
         <p:spPr>
           <a:xfrm>
-            <a:off x="11089819" y="6404294"/>
-            <a:ext cx="263982" cy="269241"/>
+            <a:off x="11089824" y="6404296"/>
+            <a:ext cx="263978" cy="269237"/>
           </a:xfrm>
           <a:prstGeom prst="rect">
             <a:avLst/>
@@ -1876,7 +1866,7 @@
           </a:ln>
         </p:spPr>
         <p:txBody>
-          <a:bodyPr wrap="none" lIns="45719" rIns="45719" anchor="ctr">
+          <a:bodyPr wrap="none" lIns="45718" tIns="45718" rIns="45718" bIns="45718" anchor="ctr">
             <a:spAutoFit/>
           </a:bodyPr>
           <a:lstStyle>
@@ -1885,6 +1875,10 @@
                 <a:solidFill>
                   <a:srgbClr val="888888"/>
                 </a:solidFill>
+                <a:latin typeface="+mn-lt"/>
+                <a:ea typeface="+mn-ea"/>
+                <a:cs typeface="+mn-cs"/>
+                <a:sym typeface="Calibri"/>
               </a:defRPr>
             </a:lvl1pPr>
           </a:lstStyle>
@@ -1911,7 +1905,7 @@
   <p:transition xmlns:p14="http://schemas.microsoft.com/office/powerpoint/2010/main" spd="med" advClick="1"/>
   <p:txStyles>
     <p:titleStyle>
-      <a:lvl1pPr marL="0" marR="0" indent="0" algn="l" defTabSz="914422" rtl="0" latinLnBrk="0">
+      <a:lvl1pPr marL="0" marR="0" indent="0" algn="l" defTabSz="914421" rtl="0" latinLnBrk="0">
         <a:lnSpc>
           <a:spcPct val="90000"/>
         </a:lnSpc>
@@ -1940,7 +1934,7 @@
           <a:sym typeface="Calibri Light"/>
         </a:defRPr>
       </a:lvl1pPr>
-      <a:lvl2pPr marL="0" marR="0" indent="0" algn="l" defTabSz="914422" rtl="0" latinLnBrk="0">
+      <a:lvl2pPr marL="0" marR="0" indent="0" algn="l" defTabSz="914421" rtl="0" latinLnBrk="0">
         <a:lnSpc>
           <a:spcPct val="90000"/>
         </a:lnSpc>
@@ -1969,7 +1963,7 @@
           <a:sym typeface="Calibri Light"/>
         </a:defRPr>
       </a:lvl2pPr>
-      <a:lvl3pPr marL="0" marR="0" indent="0" algn="l" defTabSz="914422" rtl="0" latinLnBrk="0">
+      <a:lvl3pPr marL="0" marR="0" indent="0" algn="l" defTabSz="914421" rtl="0" latinLnBrk="0">
         <a:lnSpc>
           <a:spcPct val="90000"/>
         </a:lnSpc>
@@ -1998,7 +1992,7 @@
           <a:sym typeface="Calibri Light"/>
         </a:defRPr>
       </a:lvl3pPr>
-      <a:lvl4pPr marL="0" marR="0" indent="0" algn="l" defTabSz="914422" rtl="0" latinLnBrk="0">
+      <a:lvl4pPr marL="0" marR="0" indent="0" algn="l" defTabSz="914421" rtl="0" latinLnBrk="0">
         <a:lnSpc>
           <a:spcPct val="90000"/>
         </a:lnSpc>
@@ -2027,7 +2021,7 @@
           <a:sym typeface="Calibri Light"/>
         </a:defRPr>
       </a:lvl4pPr>
-      <a:lvl5pPr marL="0" marR="0" indent="0" algn="l" defTabSz="914422" rtl="0" latinLnBrk="0">
+      <a:lvl5pPr marL="0" marR="0" indent="0" algn="l" defTabSz="914421" rtl="0" latinLnBrk="0">
         <a:lnSpc>
           <a:spcPct val="90000"/>
         </a:lnSpc>
@@ -2056,7 +2050,7 @@
           <a:sym typeface="Calibri Light"/>
         </a:defRPr>
       </a:lvl5pPr>
-      <a:lvl6pPr marL="0" marR="0" indent="0" algn="l" defTabSz="914422" rtl="0" latinLnBrk="0">
+      <a:lvl6pPr marL="0" marR="0" indent="0" algn="l" defTabSz="914421" rtl="0" latinLnBrk="0">
         <a:lnSpc>
           <a:spcPct val="90000"/>
         </a:lnSpc>
@@ -2085,7 +2079,7 @@
           <a:sym typeface="Calibri Light"/>
         </a:defRPr>
       </a:lvl6pPr>
-      <a:lvl7pPr marL="0" marR="0" indent="0" algn="l" defTabSz="914422" rtl="0" latinLnBrk="0">
+      <a:lvl7pPr marL="0" marR="0" indent="0" algn="l" defTabSz="914421" rtl="0" latinLnBrk="0">
         <a:lnSpc>
           <a:spcPct val="90000"/>
         </a:lnSpc>
@@ -2114,7 +2108,7 @@
           <a:sym typeface="Calibri Light"/>
         </a:defRPr>
       </a:lvl7pPr>
-      <a:lvl8pPr marL="0" marR="0" indent="0" algn="l" defTabSz="914422" rtl="0" latinLnBrk="0">
+      <a:lvl8pPr marL="0" marR="0" indent="0" algn="l" defTabSz="914421" rtl="0" latinLnBrk="0">
         <a:lnSpc>
           <a:spcPct val="90000"/>
         </a:lnSpc>
@@ -2143,7 +2137,7 @@
           <a:sym typeface="Calibri Light"/>
         </a:defRPr>
       </a:lvl8pPr>
-      <a:lvl9pPr marL="0" marR="0" indent="0" algn="l" defTabSz="914422" rtl="0" latinLnBrk="0">
+      <a:lvl9pPr marL="0" marR="0" indent="0" algn="l" defTabSz="914421" rtl="0" latinLnBrk="0">
         <a:lnSpc>
           <a:spcPct val="90000"/>
         </a:lnSpc>
@@ -2174,7 +2168,7 @@
       </a:lvl9pPr>
     </p:titleStyle>
     <p:bodyStyle>
-      <a:lvl1pPr marL="228607" marR="0" indent="-228607" algn="l" defTabSz="914422" rtl="0" latinLnBrk="0">
+      <a:lvl1pPr marL="228607" marR="0" indent="-228607" algn="l" defTabSz="914421" rtl="0" latinLnBrk="0">
         <a:lnSpc>
           <a:spcPct val="90000"/>
         </a:lnSpc>
@@ -2197,13 +2191,13 @@
             <a:srgbClr val="000000"/>
           </a:solidFill>
           <a:uFillTx/>
-          <a:latin typeface="+mj-lt"/>
-          <a:ea typeface="+mj-ea"/>
-          <a:cs typeface="+mj-cs"/>
+          <a:latin typeface="+mn-lt"/>
+          <a:ea typeface="+mn-ea"/>
+          <a:cs typeface="+mn-cs"/>
           <a:sym typeface="Calibri"/>
         </a:defRPr>
       </a:lvl1pPr>
-      <a:lvl2pPr marL="723918" marR="0" indent="-266708" algn="l" defTabSz="914422" rtl="0" latinLnBrk="0">
+      <a:lvl2pPr marL="723918" marR="0" indent="-266706" algn="l" defTabSz="914421" rtl="0" latinLnBrk="0">
         <a:lnSpc>
           <a:spcPct val="90000"/>
         </a:lnSpc>
@@ -2226,13 +2220,13 @@
             <a:srgbClr val="000000"/>
           </a:solidFill>
           <a:uFillTx/>
-          <a:latin typeface="+mj-lt"/>
-          <a:ea typeface="+mj-ea"/>
-          <a:cs typeface="+mj-cs"/>
+          <a:latin typeface="+mn-lt"/>
+          <a:ea typeface="+mn-ea"/>
+          <a:cs typeface="+mn-cs"/>
           <a:sym typeface="Calibri"/>
         </a:defRPr>
       </a:lvl2pPr>
-      <a:lvl3pPr marL="1234471" marR="0" indent="-320049" algn="l" defTabSz="914422" rtl="0" latinLnBrk="0">
+      <a:lvl3pPr marL="1234469" marR="0" indent="-320048" algn="l" defTabSz="914421" rtl="0" latinLnBrk="0">
         <a:lnSpc>
           <a:spcPct val="90000"/>
         </a:lnSpc>
@@ -2255,13 +2249,13 @@
             <a:srgbClr val="000000"/>
           </a:solidFill>
           <a:uFillTx/>
-          <a:latin typeface="+mj-lt"/>
-          <a:ea typeface="+mj-ea"/>
-          <a:cs typeface="+mj-cs"/>
+          <a:latin typeface="+mn-lt"/>
+          <a:ea typeface="+mn-ea"/>
+          <a:cs typeface="+mn-cs"/>
           <a:sym typeface="Calibri"/>
         </a:defRPr>
       </a:lvl3pPr>
-      <a:lvl4pPr marL="1727244" marR="0" indent="-355610" algn="l" defTabSz="914422" rtl="0" latinLnBrk="0">
+      <a:lvl4pPr marL="1727243" marR="0" indent="-355609" algn="l" defTabSz="914421" rtl="0" latinLnBrk="0">
         <a:lnSpc>
           <a:spcPct val="90000"/>
         </a:lnSpc>
@@ -2284,13 +2278,13 @@
             <a:srgbClr val="000000"/>
           </a:solidFill>
           <a:uFillTx/>
-          <a:latin typeface="+mj-lt"/>
-          <a:ea typeface="+mj-ea"/>
-          <a:cs typeface="+mj-cs"/>
+          <a:latin typeface="+mn-lt"/>
+          <a:ea typeface="+mn-ea"/>
+          <a:cs typeface="+mn-cs"/>
           <a:sym typeface="Calibri"/>
         </a:defRPr>
       </a:lvl4pPr>
-      <a:lvl5pPr marL="2184456" marR="0" indent="-355610" algn="l" defTabSz="914422" rtl="0" latinLnBrk="0">
+      <a:lvl5pPr marL="2184456" marR="0" indent="-355610" algn="l" defTabSz="914421" rtl="0" latinLnBrk="0">
         <a:lnSpc>
           <a:spcPct val="90000"/>
         </a:lnSpc>
@@ -2313,13 +2307,13 @@
             <a:srgbClr val="000000"/>
           </a:solidFill>
           <a:uFillTx/>
-          <a:latin typeface="+mj-lt"/>
-          <a:ea typeface="+mj-ea"/>
-          <a:cs typeface="+mj-cs"/>
+          <a:latin typeface="+mn-lt"/>
+          <a:ea typeface="+mn-ea"/>
+          <a:cs typeface="+mn-cs"/>
           <a:sym typeface="Calibri"/>
         </a:defRPr>
       </a:lvl5pPr>
-      <a:lvl6pPr marL="2641667" marR="0" indent="-355610" algn="l" defTabSz="914422" rtl="0" latinLnBrk="0">
+      <a:lvl6pPr marL="2641667" marR="0" indent="-355610" algn="l" defTabSz="914421" rtl="0" latinLnBrk="0">
         <a:lnSpc>
           <a:spcPct val="90000"/>
         </a:lnSpc>
@@ -2342,13 +2336,13 @@
             <a:srgbClr val="000000"/>
           </a:solidFill>
           <a:uFillTx/>
-          <a:latin typeface="+mj-lt"/>
-          <a:ea typeface="+mj-ea"/>
-          <a:cs typeface="+mj-cs"/>
+          <a:latin typeface="+mn-lt"/>
+          <a:ea typeface="+mn-ea"/>
+          <a:cs typeface="+mn-cs"/>
           <a:sym typeface="Calibri"/>
         </a:defRPr>
       </a:lvl6pPr>
-      <a:lvl7pPr marL="3098878" marR="0" indent="-355610" algn="l" defTabSz="914422" rtl="0" latinLnBrk="0">
+      <a:lvl7pPr marL="3098878" marR="0" indent="-355610" algn="l" defTabSz="914421" rtl="0" latinLnBrk="0">
         <a:lnSpc>
           <a:spcPct val="90000"/>
         </a:lnSpc>
@@ -2371,13 +2365,13 @@
             <a:srgbClr val="000000"/>
           </a:solidFill>
           <a:uFillTx/>
-          <a:latin typeface="+mj-lt"/>
-          <a:ea typeface="+mj-ea"/>
-          <a:cs typeface="+mj-cs"/>
+          <a:latin typeface="+mn-lt"/>
+          <a:ea typeface="+mn-ea"/>
+          <a:cs typeface="+mn-cs"/>
           <a:sym typeface="Calibri"/>
         </a:defRPr>
       </a:lvl7pPr>
-      <a:lvl8pPr marL="3556090" marR="0" indent="-355610" algn="l" defTabSz="914422" rtl="0" latinLnBrk="0">
+      <a:lvl8pPr marL="3556089" marR="0" indent="-355610" algn="l" defTabSz="914421" rtl="0" latinLnBrk="0">
         <a:lnSpc>
           <a:spcPct val="90000"/>
         </a:lnSpc>
@@ -2400,13 +2394,13 @@
             <a:srgbClr val="000000"/>
           </a:solidFill>
           <a:uFillTx/>
-          <a:latin typeface="+mj-lt"/>
-          <a:ea typeface="+mj-ea"/>
-          <a:cs typeface="+mj-cs"/>
+          <a:latin typeface="+mn-lt"/>
+          <a:ea typeface="+mn-ea"/>
+          <a:cs typeface="+mn-cs"/>
           <a:sym typeface="Calibri"/>
         </a:defRPr>
       </a:lvl8pPr>
-      <a:lvl9pPr marL="4013300" marR="0" indent="-355610" algn="l" defTabSz="914422" rtl="0" latinLnBrk="0">
+      <a:lvl9pPr marL="4013298" marR="0" indent="-355610" algn="l" defTabSz="914421" rtl="0" latinLnBrk="0">
         <a:lnSpc>
           <a:spcPct val="90000"/>
         </a:lnSpc>
@@ -2429,9 +2423,9 @@
             <a:srgbClr val="000000"/>
           </a:solidFill>
           <a:uFillTx/>
-          <a:latin typeface="+mj-lt"/>
-          <a:ea typeface="+mj-ea"/>
-          <a:cs typeface="+mj-cs"/>
+          <a:latin typeface="+mn-lt"/>
+          <a:ea typeface="+mn-ea"/>
+          <a:cs typeface="+mn-cs"/>
           <a:sym typeface="Calibri"/>
         </a:defRPr>
       </a:lvl9pPr>
@@ -2466,7 +2460,7 @@
           <a:sym typeface="Calibri"/>
         </a:defRPr>
       </a:lvl1pPr>
-      <a:lvl2pPr marL="0" marR="0" indent="457200" algn="r" defTabSz="914400" rtl="0" latinLnBrk="0">
+      <a:lvl2pPr marL="0" marR="0" indent="0" algn="r" defTabSz="914400" rtl="0" latinLnBrk="0">
         <a:lnSpc>
           <a:spcPct val="100000"/>
         </a:lnSpc>
@@ -2495,7 +2489,7 @@
           <a:sym typeface="Calibri"/>
         </a:defRPr>
       </a:lvl2pPr>
-      <a:lvl3pPr marL="0" marR="0" indent="914400" algn="r" defTabSz="914400" rtl="0" latinLnBrk="0">
+      <a:lvl3pPr marL="0" marR="0" indent="0" algn="r" defTabSz="914400" rtl="0" latinLnBrk="0">
         <a:lnSpc>
           <a:spcPct val="100000"/>
         </a:lnSpc>
@@ -2524,7 +2518,7 @@
           <a:sym typeface="Calibri"/>
         </a:defRPr>
       </a:lvl3pPr>
-      <a:lvl4pPr marL="0" marR="0" indent="1371600" algn="r" defTabSz="914400" rtl="0" latinLnBrk="0">
+      <a:lvl4pPr marL="0" marR="0" indent="0" algn="r" defTabSz="914400" rtl="0" latinLnBrk="0">
         <a:lnSpc>
           <a:spcPct val="100000"/>
         </a:lnSpc>
@@ -2553,7 +2547,7 @@
           <a:sym typeface="Calibri"/>
         </a:defRPr>
       </a:lvl4pPr>
-      <a:lvl5pPr marL="0" marR="0" indent="1828800" algn="r" defTabSz="914400" rtl="0" latinLnBrk="0">
+      <a:lvl5pPr marL="0" marR="0" indent="0" algn="r" defTabSz="914400" rtl="0" latinLnBrk="0">
         <a:lnSpc>
           <a:spcPct val="100000"/>
         </a:lnSpc>
@@ -2582,7 +2576,7 @@
           <a:sym typeface="Calibri"/>
         </a:defRPr>
       </a:lvl5pPr>
-      <a:lvl6pPr marL="0" marR="0" indent="2286000" algn="r" defTabSz="914400" rtl="0" latinLnBrk="0">
+      <a:lvl6pPr marL="0" marR="0" indent="0" algn="r" defTabSz="914400" rtl="0" latinLnBrk="0">
         <a:lnSpc>
           <a:spcPct val="100000"/>
         </a:lnSpc>
@@ -2611,7 +2605,7 @@
           <a:sym typeface="Calibri"/>
         </a:defRPr>
       </a:lvl6pPr>
-      <a:lvl7pPr marL="0" marR="0" indent="2743200" algn="r" defTabSz="914400" rtl="0" latinLnBrk="0">
+      <a:lvl7pPr marL="0" marR="0" indent="0" algn="r" defTabSz="914400" rtl="0" latinLnBrk="0">
         <a:lnSpc>
           <a:spcPct val="100000"/>
         </a:lnSpc>
@@ -2640,7 +2634,7 @@
           <a:sym typeface="Calibri"/>
         </a:defRPr>
       </a:lvl7pPr>
-      <a:lvl8pPr marL="0" marR="0" indent="3200400" algn="r" defTabSz="914400" rtl="0" latinLnBrk="0">
+      <a:lvl8pPr marL="0" marR="0" indent="0" algn="r" defTabSz="914400" rtl="0" latinLnBrk="0">
         <a:lnSpc>
           <a:spcPct val="100000"/>
         </a:lnSpc>
@@ -2669,7 +2663,7 @@
           <a:sym typeface="Calibri"/>
         </a:defRPr>
       </a:lvl8pPr>
-      <a:lvl9pPr marL="0" marR="0" indent="3657600" algn="r" defTabSz="914400" rtl="0" latinLnBrk="0">
+      <a:lvl9pPr marL="0" marR="0" indent="0" algn="r" defTabSz="914400" rtl="0" latinLnBrk="0">
         <a:lnSpc>
           <a:spcPct val="100000"/>
         </a:lnSpc>
@@ -2728,8 +2722,8 @@
         </p:nvSpPr>
         <p:spPr>
           <a:xfrm>
-            <a:off x="468632" y="3279010"/>
-            <a:ext cx="235671" cy="235671"/>
+            <a:off x="468632" y="3279009"/>
+            <a:ext cx="235675" cy="235675"/>
           </a:xfrm>
           <a:prstGeom prst="ellipse">
             <a:avLst/>
@@ -2737,21 +2731,13 @@
           <a:gradFill>
             <a:gsLst>
               <a:gs pos="0">
-                <a:schemeClr val="accent1">
-                  <a:hueOff val="276587"/>
-                  <a:satOff val="-4887"/>
-                  <a:lumOff val="24576"/>
-                </a:schemeClr>
+                <a:srgbClr val="A6B6DF"/>
               </a:gs>
               <a:gs pos="50000">
                 <a:srgbClr val="98AAD9"/>
               </a:gs>
               <a:gs pos="100000">
-                <a:schemeClr val="accent1">
-                  <a:hueOff val="258141"/>
-                  <a:satOff val="-1314"/>
-                  <a:lumOff val="16637"/>
-                </a:schemeClr>
+                <a:srgbClr val="869DD7"/>
               </a:gs>
             </a:gsLst>
             <a:lin ang="5400000"/>
@@ -2764,94 +2750,44 @@
           </a:ln>
         </p:spPr>
         <p:txBody>
-          <a:bodyPr lIns="45719" rIns="45719" anchor="ctr"/>
+          <a:bodyPr lIns="45718" tIns="45718" rIns="45718" bIns="45718" anchor="ctr"/>
           <a:lstStyle/>
           <a:p>
-            <a:pPr algn="ctr"/>
-          </a:p>
-        </p:txBody>
-      </p:sp>
-      <p:sp>
-        <p:nvSpPr>
-          <p:cNvPr id="127" name="Straight Arrow Connector 5"/>
-          <p:cNvSpPr/>
-          <p:nvPr/>
-        </p:nvSpPr>
-        <p:spPr>
-          <a:xfrm>
-            <a:off x="707499" y="3400287"/>
-            <a:ext cx="221233" cy="6293"/>
-          </a:xfrm>
-          <a:custGeom>
-            <a:avLst/>
-            <a:gdLst/>
-            <a:ahLst/>
-            <a:cxnLst>
-              <a:cxn ang="0">
-                <a:pos x="wd2" y="hd2"/>
-              </a:cxn>
-              <a:cxn ang="5400000">
-                <a:pos x="wd2" y="hd2"/>
-              </a:cxn>
-              <a:cxn ang="10800000">
-                <a:pos x="wd2" y="hd2"/>
-              </a:cxn>
-              <a:cxn ang="16200000">
-                <a:pos x="wd2" y="hd2"/>
-              </a:cxn>
-            </a:cxnLst>
-            <a:rect l="0" t="0" r="r" b="b"/>
-            <a:pathLst>
-              <a:path w="21600" h="21600" fill="norm" stroke="1" extrusionOk="0">
-                <a:moveTo>
-                  <a:pt x="0" y="0"/>
-                </a:moveTo>
-                <a:lnTo>
-                  <a:pt x="21600" y="21600"/>
-                </a:lnTo>
-              </a:path>
-            </a:pathLst>
-          </a:custGeom>
-          <a:ln w="6350">
-            <a:solidFill>
-              <a:srgbClr val="000000"/>
-            </a:solidFill>
-            <a:miter/>
-            <a:tailEnd type="triangle"/>
-          </a:ln>
-        </p:spPr>
-        <p:txBody>
-          <a:bodyPr/>
-          <a:lstStyle/>
-          <a:p>
-            <a:pPr/>
+            <a:pPr algn="ctr">
+              <a:defRPr>
+                <a:latin typeface="+mn-lt"/>
+                <a:ea typeface="+mn-ea"/>
+                <a:cs typeface="+mn-cs"/>
+                <a:sym typeface="Calibri"/>
+              </a:defRPr>
+            </a:pPr>
           </a:p>
         </p:txBody>
       </p:sp>
       <p:grpSp>
         <p:nvGrpSpPr>
-          <p:cNvPr id="98" name="Rectangle: Rounded Corners 7"/>
+          <p:cNvPr id="97" name="Rectangle: Rounded Corners 7"/>
           <p:cNvGrpSpPr/>
           <p:nvPr/>
         </p:nvGrpSpPr>
         <p:grpSpPr>
           <a:xfrm>
-            <a:off x="931906" y="2983229"/>
-            <a:ext cx="1570356" cy="891542"/>
-            <a:chOff x="0" y="0"/>
-            <a:chExt cx="1570355" cy="891541"/>
+            <a:off x="931904" y="2983226"/>
+            <a:ext cx="1570362" cy="891543"/>
+            <a:chOff x="-1" y="-1"/>
+            <a:chExt cx="1570361" cy="891541"/>
           </a:xfrm>
         </p:grpSpPr>
         <p:sp>
           <p:nvSpPr>
-            <p:cNvPr id="96" name="Rounded Rectangle"/>
+            <p:cNvPr id="95" name="Rounded Rectangle"/>
             <p:cNvSpPr/>
             <p:nvPr/>
           </p:nvSpPr>
           <p:spPr>
             <a:xfrm>
-              <a:off x="0" y="87552"/>
-              <a:ext cx="1570356" cy="716438"/>
+              <a:off x="-2" y="87552"/>
+              <a:ext cx="1570363" cy="716441"/>
             </a:xfrm>
             <a:prstGeom prst="roundRect">
               <a:avLst>
@@ -2861,21 +2797,13 @@
             <a:gradFill flip="none" rotWithShape="1">
               <a:gsLst>
                 <a:gs pos="0">
-                  <a:schemeClr val="accent5">
-                    <a:hueOff val="198858"/>
-                    <a:satOff val="-2084"/>
-                    <a:lumOff val="20614"/>
-                  </a:schemeClr>
+                  <a:srgbClr val="B0CBE9"/>
                 </a:gs>
                 <a:gs pos="50000">
                   <a:srgbClr val="A1C1E5"/>
                 </a:gs>
                 <a:gs pos="100000">
-                  <a:schemeClr val="accent5">
-                    <a:hueOff val="173799"/>
-                    <a:satOff val="1446"/>
-                    <a:lumOff val="13545"/>
-                  </a:schemeClr>
+                  <a:srgbClr val="91B9E4"/>
                 </a:gs>
               </a:gsLst>
               <a:lin ang="5400000" scaled="0"/>
@@ -2890,25 +2818,32 @@
             <a:effectLst/>
           </p:spPr>
           <p:txBody>
-            <a:bodyPr wrap="square" lIns="45719" tIns="45719" rIns="45719" bIns="45719" numCol="1" anchor="ctr">
+            <a:bodyPr wrap="square" lIns="45718" tIns="45718" rIns="45718" bIns="45718" numCol="1" anchor="ctr">
               <a:noAutofit/>
             </a:bodyPr>
             <a:lstStyle/>
             <a:p>
-              <a:pPr algn="ctr"/>
+              <a:pPr algn="ctr">
+                <a:defRPr>
+                  <a:latin typeface="+mn-lt"/>
+                  <a:ea typeface="+mn-ea"/>
+                  <a:cs typeface="+mn-cs"/>
+                  <a:sym typeface="Calibri"/>
+                </a:defRPr>
+              </a:pPr>
             </a:p>
           </p:txBody>
         </p:sp>
         <p:sp>
           <p:nvSpPr>
-            <p:cNvPr id="97" name="User enters SetCategories Command"/>
+            <p:cNvPr id="96" name="User enters SetCategories Command"/>
             <p:cNvSpPr txBox="1"/>
             <p:nvPr/>
           </p:nvSpPr>
           <p:spPr>
             <a:xfrm>
-              <a:off x="34973" y="0"/>
-              <a:ext cx="1500409" cy="891543"/>
+              <a:off x="34972" y="-2"/>
+              <a:ext cx="1500414" cy="891543"/>
             </a:xfrm>
             <a:prstGeom prst="rect">
               <a:avLst/>
@@ -2930,7 +2865,14 @@
               <a:spAutoFit/>
             </a:bodyPr>
             <a:lstStyle>
-              <a:lvl1pPr algn="ctr"/>
+              <a:lvl1pPr algn="ctr">
+                <a:defRPr>
+                  <a:latin typeface="+mn-lt"/>
+                  <a:ea typeface="+mn-ea"/>
+                  <a:cs typeface="+mn-cs"/>
+                  <a:sym typeface="Calibri"/>
+                </a:defRPr>
+              </a:lvl1pPr>
             </a:lstStyle>
             <a:p>
               <a:pPr/>
@@ -2943,122 +2885,14 @@
       </p:grpSp>
       <p:sp>
         <p:nvSpPr>
-          <p:cNvPr id="128" name="Straight Arrow Connector 8"/>
-          <p:cNvSpPr/>
-          <p:nvPr/>
-        </p:nvSpPr>
-        <p:spPr>
-          <a:xfrm>
-            <a:off x="2505515" y="3400592"/>
-            <a:ext cx="1039336" cy="16155"/>
-          </a:xfrm>
-          <a:custGeom>
-            <a:avLst/>
-            <a:gdLst/>
-            <a:ahLst/>
-            <a:cxnLst>
-              <a:cxn ang="0">
-                <a:pos x="wd2" y="hd2"/>
-              </a:cxn>
-              <a:cxn ang="5400000">
-                <a:pos x="wd2" y="hd2"/>
-              </a:cxn>
-              <a:cxn ang="10800000">
-                <a:pos x="wd2" y="hd2"/>
-              </a:cxn>
-              <a:cxn ang="16200000">
-                <a:pos x="wd2" y="hd2"/>
-              </a:cxn>
-            </a:cxnLst>
-            <a:rect l="0" t="0" r="r" b="b"/>
-            <a:pathLst>
-              <a:path w="21600" h="21600" fill="norm" stroke="1" extrusionOk="0">
-                <a:moveTo>
-                  <a:pt x="0" y="21600"/>
-                </a:moveTo>
-                <a:lnTo>
-                  <a:pt x="21600" y="0"/>
-                </a:lnTo>
-              </a:path>
-            </a:pathLst>
-          </a:custGeom>
-          <a:ln w="6350">
-            <a:solidFill>
-              <a:srgbClr val="000000"/>
-            </a:solidFill>
-            <a:miter/>
-            <a:tailEnd type="triangle"/>
-          </a:ln>
-        </p:spPr>
-        <p:txBody>
-          <a:bodyPr/>
-          <a:lstStyle/>
-          <a:p>
-            <a:pPr/>
-          </a:p>
-        </p:txBody>
-      </p:sp>
-      <p:sp>
-        <p:nvSpPr>
-          <p:cNvPr id="100" name="Diamond 45"/>
-          <p:cNvSpPr/>
-          <p:nvPr/>
-        </p:nvSpPr>
-        <p:spPr>
-          <a:xfrm>
-            <a:off x="10504820" y="4724962"/>
-            <a:ext cx="480767" cy="480767"/>
-          </a:xfrm>
-          <a:prstGeom prst="diamond">
-            <a:avLst/>
-          </a:prstGeom>
-          <a:gradFill>
-            <a:gsLst>
-              <a:gs pos="0">
-                <a:schemeClr val="accent6">
-                  <a:hueOff val="286552"/>
-                  <a:satOff val="-5983"/>
-                  <a:lumOff val="26183"/>
-                </a:schemeClr>
-              </a:gs>
-              <a:gs pos="50000">
-                <a:srgbClr val="A9CD97"/>
-              </a:gs>
-              <a:gs pos="100000">
-                <a:schemeClr val="accent6">
-                  <a:hueOff val="266558"/>
-                  <a:satOff val="-2836"/>
-                  <a:lumOff val="17637"/>
-                </a:schemeClr>
-              </a:gs>
-            </a:gsLst>
-            <a:lin ang="5400000"/>
-          </a:gradFill>
-          <a:ln w="6350">
-            <a:solidFill>
-              <a:schemeClr val="accent6"/>
-            </a:solidFill>
-            <a:miter/>
-          </a:ln>
-        </p:spPr>
-        <p:txBody>
-          <a:bodyPr lIns="45719" rIns="45719" anchor="ctr"/>
-          <a:lstStyle/>
-          <a:p>
-            <a:pPr algn="ctr"/>
-          </a:p>
-        </p:txBody>
-      </p:sp>
-      <p:sp>
-        <p:nvSpPr>
-          <p:cNvPr id="101" name="TextBox 46"/>
+          <p:cNvPr id="98" name="TextBox 46"/>
           <p:cNvSpPr txBox="1"/>
           <p:nvPr/>
         </p:nvSpPr>
         <p:spPr>
           <a:xfrm>
             <a:off x="2818545" y="3676589"/>
-            <a:ext cx="853128" cy="358141"/>
+            <a:ext cx="853128" cy="358137"/>
           </a:xfrm>
           <a:prstGeom prst="rect">
             <a:avLst/>
@@ -3073,10 +2907,19 @@
           </a:extLst>
         </p:spPr>
         <p:txBody>
-          <a:bodyPr lIns="45719" rIns="45719">
+          <a:bodyPr lIns="45718" tIns="45718" rIns="45718" bIns="45718">
             <a:spAutoFit/>
           </a:bodyPr>
-          <a:lstStyle/>
+          <a:lstStyle>
+            <a:lvl1pPr>
+              <a:defRPr>
+                <a:latin typeface="+mn-lt"/>
+                <a:ea typeface="+mn-ea"/>
+                <a:cs typeface="+mn-cs"/>
+                <a:sym typeface="Calibri"/>
+              </a:defRPr>
+            </a:lvl1pPr>
+          </a:lstStyle>
           <a:p>
             <a:pPr/>
             <a:r>
@@ -3087,14 +2930,14 @@
       </p:sp>
       <p:sp>
         <p:nvSpPr>
-          <p:cNvPr id="102" name="TextBox 47"/>
+          <p:cNvPr id="99" name="TextBox 47"/>
           <p:cNvSpPr txBox="1"/>
           <p:nvPr/>
         </p:nvSpPr>
         <p:spPr>
           <a:xfrm>
-            <a:off x="2366833" y="2560050"/>
-            <a:ext cx="1435815" cy="358141"/>
+            <a:off x="2366833" y="2560048"/>
+            <a:ext cx="1435817" cy="358137"/>
           </a:xfrm>
           <a:prstGeom prst="rect">
             <a:avLst/>
@@ -3109,10 +2952,19 @@
           </a:extLst>
         </p:spPr>
         <p:txBody>
-          <a:bodyPr lIns="45719" rIns="45719">
+          <a:bodyPr lIns="45718" tIns="45718" rIns="45718" bIns="45718">
             <a:spAutoFit/>
           </a:bodyPr>
-          <a:lstStyle/>
+          <a:lstStyle>
+            <a:lvl1pPr>
+              <a:defRPr>
+                <a:latin typeface="+mn-lt"/>
+                <a:ea typeface="+mn-ea"/>
+                <a:cs typeface="+mn-cs"/>
+                <a:sym typeface="Calibri"/>
+              </a:defRPr>
+            </a:lvl1pPr>
+          </a:lstStyle>
           <a:p>
             <a:pPr/>
             <a:r>
@@ -3123,28 +2975,28 @@
       </p:sp>
       <p:grpSp>
         <p:nvGrpSpPr>
-          <p:cNvPr id="105" name="Rectangle: Rounded Corners 50"/>
+          <p:cNvPr id="102" name="Rectangle: Rounded Corners 50"/>
           <p:cNvGrpSpPr/>
           <p:nvPr/>
         </p:nvGrpSpPr>
         <p:grpSpPr>
           <a:xfrm>
-            <a:off x="2309359" y="1511610"/>
-            <a:ext cx="2953233" cy="814660"/>
-            <a:chOff x="0" y="171791"/>
-            <a:chExt cx="2953231" cy="814658"/>
+            <a:off x="2309359" y="1511607"/>
+            <a:ext cx="2953236" cy="814666"/>
+            <a:chOff x="0" y="-1"/>
+            <a:chExt cx="2953235" cy="814665"/>
           </a:xfrm>
         </p:grpSpPr>
         <p:sp>
           <p:nvSpPr>
-            <p:cNvPr id="103" name="Rounded Rectangle"/>
+            <p:cNvPr id="100" name="Rounded Rectangle"/>
             <p:cNvSpPr/>
             <p:nvPr/>
           </p:nvSpPr>
           <p:spPr>
             <a:xfrm>
-              <a:off x="0" y="171791"/>
-              <a:ext cx="2953232" cy="814660"/>
+              <a:off x="0" y="-2"/>
+              <a:ext cx="2953236" cy="814666"/>
             </a:xfrm>
             <a:prstGeom prst="roundRect">
               <a:avLst>
@@ -3154,21 +3006,13 @@
             <a:gradFill flip="none" rotWithShape="1">
               <a:gsLst>
                 <a:gs pos="0">
-                  <a:schemeClr val="accent6">
-                    <a:hueOff val="286552"/>
-                    <a:satOff val="-5983"/>
-                    <a:lumOff val="26183"/>
-                  </a:schemeClr>
+                  <a:srgbClr val="B4D4A5"/>
                 </a:gs>
                 <a:gs pos="50000">
                   <a:srgbClr val="A9CD97"/>
                 </a:gs>
                 <a:gs pos="100000">
-                  <a:schemeClr val="accent6">
-                    <a:hueOff val="266558"/>
-                    <a:satOff val="-2836"/>
-                    <a:lumOff val="17637"/>
-                  </a:schemeClr>
+                  <a:srgbClr val="9BC985"/>
                 </a:gs>
               </a:gsLst>
               <a:lin ang="5400000" scaled="0"/>
@@ -3183,25 +3027,32 @@
             <a:effectLst/>
           </p:spPr>
           <p:txBody>
-            <a:bodyPr wrap="square" lIns="45719" tIns="45719" rIns="45719" bIns="45719" numCol="1" anchor="ctr">
+            <a:bodyPr wrap="square" lIns="45718" tIns="45718" rIns="45718" bIns="45718" numCol="1" anchor="ctr">
               <a:noAutofit/>
             </a:bodyPr>
             <a:lstStyle/>
             <a:p>
-              <a:pPr algn="ctr"/>
+              <a:pPr algn="ctr">
+                <a:defRPr>
+                  <a:latin typeface="+mn-lt"/>
+                  <a:ea typeface="+mn-ea"/>
+                  <a:cs typeface="+mn-cs"/>
+                  <a:sym typeface="Calibri"/>
+                </a:defRPr>
+              </a:pPr>
             </a:p>
           </p:txBody>
         </p:sp>
         <p:sp>
           <p:nvSpPr>
-            <p:cNvPr id="104" name="Parse categories entered into new Categories object"/>
+            <p:cNvPr id="101" name="Parse categories entered into new Categories object"/>
             <p:cNvSpPr txBox="1"/>
             <p:nvPr/>
           </p:nvSpPr>
           <p:spPr>
             <a:xfrm>
-              <a:off x="39767" y="266700"/>
-              <a:ext cx="2873698" cy="624843"/>
+              <a:off x="39765" y="94909"/>
+              <a:ext cx="2873704" cy="624843"/>
             </a:xfrm>
             <a:prstGeom prst="rect">
               <a:avLst/>
@@ -3223,7 +3074,14 @@
               <a:spAutoFit/>
             </a:bodyPr>
             <a:lstStyle>
-              <a:lvl1pPr algn="ctr"/>
+              <a:lvl1pPr algn="ctr">
+                <a:defRPr>
+                  <a:latin typeface="+mn-lt"/>
+                  <a:ea typeface="+mn-ea"/>
+                  <a:cs typeface="+mn-cs"/>
+                  <a:sym typeface="Calibri"/>
+                </a:defRPr>
+              </a:lvl1pPr>
             </a:lstStyle>
             <a:p>
               <a:pPr/>
@@ -3236,14 +3094,14 @@
       </p:grpSp>
       <p:sp>
         <p:nvSpPr>
-          <p:cNvPr id="106" name="Diamond 55"/>
+          <p:cNvPr id="103" name="Diamond 55"/>
           <p:cNvSpPr/>
           <p:nvPr/>
         </p:nvSpPr>
         <p:spPr>
           <a:xfrm>
-            <a:off x="3545592" y="3156462"/>
-            <a:ext cx="480767" cy="480767"/>
+            <a:off x="3545592" y="3156461"/>
+            <a:ext cx="480769" cy="480770"/>
           </a:xfrm>
           <a:prstGeom prst="diamond">
             <a:avLst/>
@@ -3251,21 +3109,13 @@
           <a:gradFill>
             <a:gsLst>
               <a:gs pos="0">
-                <a:schemeClr val="accent6">
-                  <a:hueOff val="286552"/>
-                  <a:satOff val="-5983"/>
-                  <a:lumOff val="26183"/>
-                </a:schemeClr>
+                <a:srgbClr val="B4D4A5"/>
               </a:gs>
               <a:gs pos="50000">
                 <a:srgbClr val="A9CD97"/>
               </a:gs>
               <a:gs pos="100000">
-                <a:schemeClr val="accent6">
-                  <a:hueOff val="266558"/>
-                  <a:satOff val="-2836"/>
-                  <a:lumOff val="17637"/>
-                </a:schemeClr>
+                <a:srgbClr val="9BC985"/>
               </a:gs>
             </a:gsLst>
             <a:lin ang="5400000"/>
@@ -3278,94 +3128,44 @@
           </a:ln>
         </p:spPr>
         <p:txBody>
-          <a:bodyPr lIns="45719" rIns="45719" anchor="ctr"/>
+          <a:bodyPr lIns="45718" tIns="45718" rIns="45718" bIns="45718" anchor="ctr"/>
           <a:lstStyle/>
           <a:p>
-            <a:pPr algn="ctr"/>
-          </a:p>
-        </p:txBody>
-      </p:sp>
-      <p:sp>
-        <p:nvSpPr>
-          <p:cNvPr id="129" name="Straight Arrow Connector 68"/>
-          <p:cNvSpPr/>
-          <p:nvPr/>
-        </p:nvSpPr>
-        <p:spPr>
-          <a:xfrm>
-            <a:off x="10990075" y="4965345"/>
-            <a:ext cx="528719" cy="1"/>
-          </a:xfrm>
-          <a:custGeom>
-            <a:avLst/>
-            <a:gdLst/>
-            <a:ahLst/>
-            <a:cxnLst>
-              <a:cxn ang="0">
-                <a:pos x="wd2" y="hd2"/>
-              </a:cxn>
-              <a:cxn ang="5400000">
-                <a:pos x="wd2" y="hd2"/>
-              </a:cxn>
-              <a:cxn ang="10800000">
-                <a:pos x="wd2" y="hd2"/>
-              </a:cxn>
-              <a:cxn ang="16200000">
-                <a:pos x="wd2" y="hd2"/>
-              </a:cxn>
-            </a:cxnLst>
-            <a:rect l="0" t="0" r="r" b="b"/>
-            <a:pathLst>
-              <a:path w="21600" h="21600" fill="norm" stroke="1" extrusionOk="0">
-                <a:moveTo>
-                  <a:pt x="0" y="21600"/>
-                </a:moveTo>
-                <a:lnTo>
-                  <a:pt x="21600" y="0"/>
-                </a:lnTo>
-              </a:path>
-            </a:pathLst>
-          </a:custGeom>
-          <a:ln w="6350">
-            <a:solidFill>
-              <a:srgbClr val="000000"/>
-            </a:solidFill>
-            <a:miter/>
-            <a:tailEnd type="triangle"/>
-          </a:ln>
-        </p:spPr>
-        <p:txBody>
-          <a:bodyPr/>
-          <a:lstStyle/>
-          <a:p>
-            <a:pPr/>
+            <a:pPr algn="ctr">
+              <a:defRPr>
+                <a:latin typeface="+mn-lt"/>
+                <a:ea typeface="+mn-ea"/>
+                <a:cs typeface="+mn-cs"/>
+                <a:sym typeface="Calibri"/>
+              </a:defRPr>
+            </a:pPr>
           </a:p>
         </p:txBody>
       </p:sp>
       <p:grpSp>
         <p:nvGrpSpPr>
-          <p:cNvPr id="110" name="Group 74"/>
+          <p:cNvPr id="106" name="Group 74"/>
           <p:cNvGrpSpPr/>
           <p:nvPr/>
         </p:nvGrpSpPr>
         <p:grpSpPr>
           <a:xfrm>
-            <a:off x="11521968" y="4847510"/>
-            <a:ext cx="235671" cy="235671"/>
+            <a:off x="11521966" y="4847506"/>
+            <a:ext cx="235677" cy="235677"/>
             <a:chOff x="0" y="0"/>
-            <a:chExt cx="235670" cy="235670"/>
+            <a:chExt cx="235675" cy="235675"/>
           </a:xfrm>
         </p:grpSpPr>
         <p:sp>
           <p:nvSpPr>
-            <p:cNvPr id="108" name="Oval 67"/>
+            <p:cNvPr id="104" name="Oval 67"/>
             <p:cNvSpPr/>
             <p:nvPr/>
           </p:nvSpPr>
           <p:spPr>
             <a:xfrm>
               <a:off x="-1" y="-1"/>
-              <a:ext cx="235672" cy="235672"/>
+              <a:ext cx="235677" cy="235677"/>
             </a:xfrm>
             <a:prstGeom prst="ellipse">
               <a:avLst/>
@@ -3383,25 +3183,32 @@
             <a:effectLst/>
           </p:spPr>
           <p:txBody>
-            <a:bodyPr wrap="square" lIns="45719" tIns="45719" rIns="45719" bIns="45719" numCol="1" anchor="ctr">
+            <a:bodyPr wrap="square" lIns="45718" tIns="45718" rIns="45718" bIns="45718" numCol="1" anchor="ctr">
               <a:noAutofit/>
             </a:bodyPr>
             <a:lstStyle/>
             <a:p>
-              <a:pPr algn="ctr"/>
+              <a:pPr algn="ctr">
+                <a:defRPr>
+                  <a:latin typeface="+mn-lt"/>
+                  <a:ea typeface="+mn-ea"/>
+                  <a:cs typeface="+mn-cs"/>
+                  <a:sym typeface="Calibri"/>
+                </a:defRPr>
+              </a:pPr>
             </a:p>
           </p:txBody>
         </p:sp>
         <p:sp>
           <p:nvSpPr>
-            <p:cNvPr id="109" name="Oval 70"/>
+            <p:cNvPr id="105" name="Oval 70"/>
             <p:cNvSpPr/>
             <p:nvPr/>
           </p:nvSpPr>
           <p:spPr>
             <a:xfrm>
               <a:off x="47617" y="52446"/>
-              <a:ext cx="136204" cy="136204"/>
+              <a:ext cx="136207" cy="136207"/>
             </a:xfrm>
             <a:prstGeom prst="ellipse">
               <a:avLst/>
@@ -3409,21 +3216,13 @@
             <a:gradFill flip="none" rotWithShape="1">
               <a:gsLst>
                 <a:gs pos="0">
-                  <a:schemeClr val="accent1">
-                    <a:hueOff val="276587"/>
-                    <a:satOff val="-4887"/>
-                    <a:lumOff val="24576"/>
-                  </a:schemeClr>
+                  <a:srgbClr val="A6B6DF"/>
                 </a:gs>
                 <a:gs pos="50000">
                   <a:srgbClr val="98AAD9"/>
                 </a:gs>
                 <a:gs pos="100000">
-                  <a:schemeClr val="accent1">
-                    <a:hueOff val="258141"/>
-                    <a:satOff val="-1314"/>
-                    <a:lumOff val="16637"/>
-                  </a:schemeClr>
+                  <a:srgbClr val="869DD7"/>
                 </a:gs>
               </a:gsLst>
               <a:lin ang="5400000" scaled="0"/>
@@ -3438,146 +3237,254 @@
             <a:effectLst/>
           </p:spPr>
           <p:txBody>
-            <a:bodyPr wrap="square" lIns="45719" tIns="45719" rIns="45719" bIns="45719" numCol="1" anchor="ctr">
+            <a:bodyPr wrap="square" lIns="45718" tIns="45718" rIns="45718" bIns="45718" numCol="1" anchor="ctr">
               <a:noAutofit/>
             </a:bodyPr>
             <a:lstStyle/>
             <a:p>
-              <a:pPr algn="ctr"/>
+              <a:pPr algn="ctr">
+                <a:defRPr>
+                  <a:latin typeface="+mn-lt"/>
+                  <a:ea typeface="+mn-ea"/>
+                  <a:cs typeface="+mn-cs"/>
+                  <a:sym typeface="Calibri"/>
+                </a:defRPr>
+              </a:pPr>
+            </a:p>
+          </p:txBody>
+        </p:sp>
+      </p:grpSp>
+      <p:grpSp>
+        <p:nvGrpSpPr>
+          <p:cNvPr id="109" name="Display error message: Invalid Index"/>
+          <p:cNvGrpSpPr/>
+          <p:nvPr/>
+        </p:nvGrpSpPr>
+        <p:grpSpPr>
+          <a:xfrm>
+            <a:off x="2794577" y="4473769"/>
+            <a:ext cx="1982798" cy="983155"/>
+            <a:chOff x="0" y="0"/>
+            <a:chExt cx="1982796" cy="983154"/>
+          </a:xfrm>
+        </p:grpSpPr>
+        <p:sp>
+          <p:nvSpPr>
+            <p:cNvPr id="107" name="Rounded Rectangle"/>
+            <p:cNvSpPr/>
+            <p:nvPr/>
+          </p:nvSpPr>
+          <p:spPr>
+            <a:xfrm>
+              <a:off x="-1" y="-1"/>
+              <a:ext cx="1982798" cy="983156"/>
+            </a:xfrm>
+            <a:prstGeom prst="roundRect">
+              <a:avLst>
+                <a:gd name="adj" fmla="val 19376"/>
+              </a:avLst>
+            </a:prstGeom>
+            <a:solidFill>
+              <a:srgbClr val="FFFFFF"/>
+            </a:solidFill>
+            <a:ln w="12700" cap="flat">
+              <a:solidFill>
+                <a:schemeClr val="accent1"/>
+              </a:solidFill>
+              <a:prstDash val="solid"/>
+              <a:miter lim="800000"/>
+            </a:ln>
+            <a:effectLst/>
+          </p:spPr>
+          <p:txBody>
+            <a:bodyPr wrap="square" lIns="45718" tIns="45718" rIns="45718" bIns="45718" numCol="1" anchor="ctr">
+              <a:noAutofit/>
+            </a:bodyPr>
+            <a:lstStyle/>
+            <a:p>
+              <a:pPr algn="ctr">
+                <a:defRPr>
+                  <a:latin typeface="+mn-lt"/>
+                  <a:ea typeface="+mn-ea"/>
+                  <a:cs typeface="+mn-cs"/>
+                  <a:sym typeface="Calibri"/>
+                </a:defRPr>
+              </a:pPr>
+            </a:p>
+          </p:txBody>
+        </p:sp>
+        <p:sp>
+          <p:nvSpPr>
+            <p:cNvPr id="108" name="Display error message: Invalid Index"/>
+            <p:cNvSpPr txBox="1"/>
+            <p:nvPr/>
+          </p:nvSpPr>
+          <p:spPr>
+            <a:xfrm>
+              <a:off x="55793" y="45806"/>
+              <a:ext cx="1871209" cy="891537"/>
+            </a:xfrm>
+            <a:prstGeom prst="rect">
+              <a:avLst/>
+            </a:prstGeom>
+            <a:noFill/>
+            <a:ln w="12700" cap="flat">
+              <a:noFill/>
+              <a:miter lim="400000"/>
+            </a:ln>
+            <a:effectLst/>
+            <a:extLst>
+              <a:ext uri="{C572A759-6A51-4108-AA02-DFA0A04FC94B}">
+                <ma14:wrappingTextBoxFlag xmlns:ma14="http://schemas.microsoft.com/office/mac/drawingml/2011/main" val="1"/>
+              </a:ext>
+            </a:extLst>
+          </p:spPr>
+          <p:txBody>
+            <a:bodyPr wrap="square" lIns="45718" tIns="45718" rIns="45718" bIns="45718" numCol="1" anchor="ctr">
+              <a:spAutoFit/>
+            </a:bodyPr>
+            <a:lstStyle>
+              <a:lvl1pPr algn="ctr">
+                <a:defRPr>
+                  <a:latin typeface="+mn-lt"/>
+                  <a:ea typeface="+mn-ea"/>
+                  <a:cs typeface="+mn-cs"/>
+                  <a:sym typeface="Calibri"/>
+                </a:defRPr>
+              </a:lvl1pPr>
+            </a:lstStyle>
+            <a:p>
+              <a:pPr/>
+              <a:r>
+                <a:t>Display error message: Invalid Index</a:t>
+              </a:r>
+            </a:p>
+          </p:txBody>
+        </p:sp>
+      </p:grpSp>
+      <p:grpSp>
+        <p:nvGrpSpPr>
+          <p:cNvPr id="112" name="Merge targeted restaurant’s existing categories with new categories"/>
+          <p:cNvGrpSpPr/>
+          <p:nvPr/>
+        </p:nvGrpSpPr>
+        <p:grpSpPr>
+          <a:xfrm>
+            <a:off x="7778901" y="1206471"/>
+            <a:ext cx="2229360" cy="1424937"/>
+            <a:chOff x="0" y="0"/>
+            <a:chExt cx="2229358" cy="1424935"/>
+          </a:xfrm>
+        </p:grpSpPr>
+        <p:sp>
+          <p:nvSpPr>
+            <p:cNvPr id="110" name="Rounded Rectangle"/>
+            <p:cNvSpPr/>
+            <p:nvPr/>
+          </p:nvSpPr>
+          <p:spPr>
+            <a:xfrm>
+              <a:off x="0" y="77468"/>
+              <a:ext cx="2229359" cy="1270003"/>
+            </a:xfrm>
+            <a:prstGeom prst="roundRect">
+              <a:avLst>
+                <a:gd name="adj" fmla="val 15000"/>
+              </a:avLst>
+            </a:prstGeom>
+            <a:solidFill>
+              <a:srgbClr val="FFFFFF"/>
+            </a:solidFill>
+            <a:ln w="12700" cap="flat">
+              <a:solidFill>
+                <a:schemeClr val="accent1"/>
+              </a:solidFill>
+              <a:prstDash val="solid"/>
+              <a:miter lim="800000"/>
+            </a:ln>
+            <a:effectLst/>
+          </p:spPr>
+          <p:txBody>
+            <a:bodyPr wrap="square" lIns="45718" tIns="45718" rIns="45718" bIns="45718" numCol="1" anchor="ctr">
+              <a:noAutofit/>
+            </a:bodyPr>
+            <a:lstStyle/>
+            <a:p>
+              <a:pPr algn="ctr">
+                <a:defRPr>
+                  <a:latin typeface="+mn-lt"/>
+                  <a:ea typeface="+mn-ea"/>
+                  <a:cs typeface="+mn-cs"/>
+                  <a:sym typeface="Calibri"/>
+                </a:defRPr>
+              </a:pPr>
+            </a:p>
+          </p:txBody>
+        </p:sp>
+        <p:sp>
+          <p:nvSpPr>
+            <p:cNvPr id="111" name="Merge targeted restaurant’s existing categories with new categories"/>
+            <p:cNvSpPr txBox="1"/>
+            <p:nvPr/>
+          </p:nvSpPr>
+          <p:spPr>
+            <a:xfrm>
+              <a:off x="55795" y="0"/>
+              <a:ext cx="2117769" cy="1424937"/>
+            </a:xfrm>
+            <a:prstGeom prst="rect">
+              <a:avLst/>
+            </a:prstGeom>
+            <a:noFill/>
+            <a:ln w="12700" cap="flat">
+              <a:noFill/>
+              <a:miter lim="400000"/>
+            </a:ln>
+            <a:effectLst/>
+            <a:extLst>
+              <a:ext uri="{C572A759-6A51-4108-AA02-DFA0A04FC94B}">
+                <ma14:wrappingTextBoxFlag xmlns:ma14="http://schemas.microsoft.com/office/mac/drawingml/2011/main" val="1"/>
+              </a:ext>
+            </a:extLst>
+          </p:spPr>
+          <p:txBody>
+            <a:bodyPr wrap="square" lIns="45718" tIns="45718" rIns="45718" bIns="45718" numCol="1" anchor="ctr">
+              <a:spAutoFit/>
+            </a:bodyPr>
+            <a:lstStyle>
+              <a:lvl1pPr algn="ctr">
+                <a:defRPr>
+                  <a:latin typeface="+mn-lt"/>
+                  <a:ea typeface="+mn-ea"/>
+                  <a:cs typeface="+mn-cs"/>
+                  <a:sym typeface="Calibri"/>
+                </a:defRPr>
+              </a:lvl1pPr>
+            </a:lstStyle>
+            <a:p>
+              <a:pPr/>
+              <a:r>
+                <a:t>Merge targeted restaurant’s existing categories with new categories</a:t>
+              </a:r>
             </a:p>
           </p:txBody>
         </p:sp>
       </p:grpSp>
       <p:sp>
         <p:nvSpPr>
-          <p:cNvPr id="111" name="Display error message: Invalid Index"/>
+          <p:cNvPr id="113" name="Connection Line"/>
           <p:cNvSpPr/>
           <p:nvPr/>
         </p:nvSpPr>
         <p:spPr>
-          <a:xfrm>
-            <a:off x="2794578" y="4473770"/>
-            <a:ext cx="1982794" cy="983152"/>
+          <a:xfrm flipV="1">
+            <a:off x="3785975" y="2329625"/>
+            <a:ext cx="3" cy="822576"/>
           </a:xfrm>
-          <a:prstGeom prst="roundRect">
-            <a:avLst>
-              <a:gd name="adj" fmla="val 19376"/>
-            </a:avLst>
+          <a:prstGeom prst="line">
+            <a:avLst/>
           </a:prstGeom>
-          <a:solidFill>
-            <a:srgbClr val="FFFFFF"/>
-          </a:solidFill>
-          <a:ln w="12700">
-            <a:solidFill>
-              <a:schemeClr val="accent1"/>
-            </a:solidFill>
-            <a:miter/>
-          </a:ln>
-          <a:extLst>
-            <a:ext uri="{C572A759-6A51-4108-AA02-DFA0A04FC94B}">
-              <ma14:wrappingTextBoxFlag xmlns:ma14="http://schemas.microsoft.com/office/mac/drawingml/2011/main" val="1"/>
-            </a:ext>
-          </a:extLst>
-        </p:spPr>
-        <p:txBody>
-          <a:bodyPr lIns="45719" rIns="45719" anchor="ctr"/>
-          <a:lstStyle>
-            <a:lvl1pPr algn="ctr"/>
-          </a:lstStyle>
-          <a:p>
-            <a:pPr/>
-            <a:r>
-              <a:t>Display error message: Invalid Index</a:t>
-            </a:r>
-          </a:p>
-        </p:txBody>
-      </p:sp>
-      <p:sp>
-        <p:nvSpPr>
-          <p:cNvPr id="112" name="Merge targeted restaurant’s existing categories with new categories"/>
-          <p:cNvSpPr/>
-          <p:nvPr/>
-        </p:nvSpPr>
-        <p:spPr>
-          <a:xfrm>
-            <a:off x="7778902" y="1283940"/>
-            <a:ext cx="2229357" cy="1270001"/>
-          </a:xfrm>
-          <a:prstGeom prst="roundRect">
-            <a:avLst>
-              <a:gd name="adj" fmla="val 15000"/>
-            </a:avLst>
-          </a:prstGeom>
-          <a:solidFill>
-            <a:srgbClr val="FFFFFF"/>
-          </a:solidFill>
-          <a:ln w="12700">
-            <a:solidFill>
-              <a:schemeClr val="accent1"/>
-            </a:solidFill>
-            <a:miter/>
-          </a:ln>
-          <a:extLst>
-            <a:ext uri="{C572A759-6A51-4108-AA02-DFA0A04FC94B}">
-              <ma14:wrappingTextBoxFlag xmlns:ma14="http://schemas.microsoft.com/office/mac/drawingml/2011/main" val="1"/>
-            </a:ext>
-          </a:extLst>
-        </p:spPr>
-        <p:txBody>
-          <a:bodyPr lIns="45719" rIns="45719" anchor="ctr"/>
-          <a:lstStyle>
-            <a:lvl1pPr algn="ctr"/>
-          </a:lstStyle>
-          <a:p>
-            <a:pPr/>
-            <a:r>
-              <a:t>Merge targeted restaurant’s existing categories with new categories</a:t>
-            </a:r>
-          </a:p>
-        </p:txBody>
-      </p:sp>
-      <p:sp>
-        <p:nvSpPr>
-          <p:cNvPr id="130" name="Connection Line"/>
-          <p:cNvSpPr/>
-          <p:nvPr/>
-        </p:nvSpPr>
-        <p:spPr>
-          <a:xfrm>
-            <a:off x="3785975" y="2329625"/>
-            <a:ext cx="1" cy="822575"/>
-          </a:xfrm>
-          <a:custGeom>
-            <a:avLst/>
-            <a:gdLst/>
-            <a:ahLst/>
-            <a:cxnLst>
-              <a:cxn ang="0">
-                <a:pos x="wd2" y="hd2"/>
-              </a:cxn>
-              <a:cxn ang="5400000">
-                <a:pos x="wd2" y="hd2"/>
-              </a:cxn>
-              <a:cxn ang="10800000">
-                <a:pos x="wd2" y="hd2"/>
-              </a:cxn>
-              <a:cxn ang="16200000">
-                <a:pos x="wd2" y="hd2"/>
-              </a:cxn>
-            </a:cxnLst>
-            <a:rect l="0" t="0" r="r" b="b"/>
-            <a:pathLst>
-              <a:path w="21600" h="21600" fill="norm" stroke="1" extrusionOk="0">
-                <a:moveTo>
-                  <a:pt x="0" y="21600"/>
-                </a:moveTo>
-                <a:lnTo>
-                  <a:pt x="21600" y="0"/>
-                </a:lnTo>
-              </a:path>
-            </a:pathLst>
-          </a:custGeom>
-          <a:ln w="12700">
+          <a:ln w="25400">
             <a:solidFill>
               <a:schemeClr val="accent1"/>
             </a:solidFill>
@@ -3586,81 +3493,28 @@
           </a:ln>
         </p:spPr>
         <p:txBody>
-          <a:bodyPr/>
+          <a:bodyPr lIns="45718" tIns="45718" rIns="45718" bIns="45718"/>
           <a:lstStyle/>
           <a:p>
             <a:pPr/>
           </a:p>
         </p:txBody>
       </p:sp>
-      <p:cxnSp>
-        <p:nvCxnSpPr>
-          <p:cNvPr id="114" name="Connection Line"/>
-          <p:cNvCxnSpPr>
-            <a:stCxn id="106" idx="0"/>
-            <a:endCxn id="111" idx="0"/>
-          </p:cNvCxnSpPr>
-          <p:nvPr/>
-        </p:nvCxnSpPr>
-        <p:spPr>
-          <a:xfrm flipH="1">
-            <a:off x="3785975" y="3396845"/>
-            <a:ext cx="1" cy="1568501"/>
-          </a:xfrm>
-          <a:prstGeom prst="straightConnector1">
-            <a:avLst/>
-          </a:prstGeom>
-          <a:ln w="12700">
-            <a:solidFill>
-              <a:schemeClr val="accent1"/>
-            </a:solidFill>
-            <a:miter/>
-            <a:tailEnd type="triangle"/>
-          </a:ln>
-        </p:spPr>
-      </p:cxnSp>
       <p:sp>
         <p:nvSpPr>
-          <p:cNvPr id="131" name="Connection Line"/>
+          <p:cNvPr id="114" name="Connection Line"/>
           <p:cNvSpPr/>
           <p:nvPr/>
         </p:nvSpPr>
         <p:spPr>
-          <a:xfrm>
-            <a:off x="5265680" y="1918940"/>
-            <a:ext cx="459337" cy="1"/>
+          <a:xfrm flipH="1">
+            <a:off x="3785975" y="3641716"/>
+            <a:ext cx="2" cy="825704"/>
           </a:xfrm>
-          <a:custGeom>
+          <a:prstGeom prst="line">
             <a:avLst/>
-            <a:gdLst/>
-            <a:ahLst/>
-            <a:cxnLst>
-              <a:cxn ang="0">
-                <a:pos x="wd2" y="hd2"/>
-              </a:cxn>
-              <a:cxn ang="5400000">
-                <a:pos x="wd2" y="hd2"/>
-              </a:cxn>
-              <a:cxn ang="10800000">
-                <a:pos x="wd2" y="hd2"/>
-              </a:cxn>
-              <a:cxn ang="16200000">
-                <a:pos x="wd2" y="hd2"/>
-              </a:cxn>
-            </a:cxnLst>
-            <a:rect l="0" t="0" r="r" b="b"/>
-            <a:pathLst>
-              <a:path w="21600" h="21600" fill="norm" stroke="1" extrusionOk="0">
-                <a:moveTo>
-                  <a:pt x="0" y="21600"/>
-                </a:moveTo>
-                <a:lnTo>
-                  <a:pt x="21600" y="0"/>
-                </a:lnTo>
-              </a:path>
-            </a:pathLst>
-          </a:custGeom>
-          <a:ln w="12700">
+          </a:prstGeom>
+          <a:ln w="25400">
             <a:solidFill>
               <a:schemeClr val="accent1"/>
             </a:solidFill>
@@ -3669,7 +3523,37 @@
           </a:ln>
         </p:spPr>
         <p:txBody>
-          <a:bodyPr/>
+          <a:bodyPr lIns="45718" tIns="45718" rIns="45718" bIns="45718"/>
+          <a:lstStyle/>
+          <a:p>
+            <a:pPr/>
+          </a:p>
+        </p:txBody>
+      </p:sp>
+      <p:sp>
+        <p:nvSpPr>
+          <p:cNvPr id="115" name="Connection Line"/>
+          <p:cNvSpPr/>
+          <p:nvPr/>
+        </p:nvSpPr>
+        <p:spPr>
+          <a:xfrm flipV="1">
+            <a:off x="5265680" y="1918940"/>
+            <a:ext cx="459339" cy="3"/>
+          </a:xfrm>
+          <a:prstGeom prst="line">
+            <a:avLst/>
+          </a:prstGeom>
+          <a:ln w="25400">
+            <a:solidFill>
+              <a:schemeClr val="accent1"/>
+            </a:solidFill>
+            <a:miter/>
+            <a:tailEnd type="triangle"/>
+          </a:ln>
+        </p:spPr>
+        <p:txBody>
+          <a:bodyPr lIns="45718" tIns="45718" rIns="45718" bIns="45718"/>
           <a:lstStyle/>
           <a:p>
             <a:pPr/>
@@ -3684,8 +3568,8 @@
         </p:nvSpPr>
         <p:spPr>
           <a:xfrm>
-            <a:off x="5729279" y="1678557"/>
-            <a:ext cx="480767" cy="480767"/>
+            <a:off x="5729277" y="1678557"/>
+            <a:ext cx="480769" cy="480769"/>
           </a:xfrm>
           <a:prstGeom prst="diamond">
             <a:avLst/>
@@ -3693,21 +3577,13 @@
           <a:gradFill>
             <a:gsLst>
               <a:gs pos="0">
-                <a:schemeClr val="accent6">
-                  <a:hueOff val="286552"/>
-                  <a:satOff val="-5983"/>
-                  <a:lumOff val="26183"/>
-                </a:schemeClr>
+                <a:srgbClr val="B4D4A5"/>
               </a:gs>
               <a:gs pos="50000">
                 <a:srgbClr val="A9CD97"/>
               </a:gs>
               <a:gs pos="100000">
-                <a:schemeClr val="accent6">
-                  <a:hueOff val="266558"/>
-                  <a:satOff val="-2836"/>
-                  <a:lumOff val="17637"/>
-                </a:schemeClr>
+                <a:srgbClr val="9BC985"/>
               </a:gs>
             </a:gsLst>
             <a:lin ang="5400000"/>
@@ -3720,10 +3596,17 @@
           </a:ln>
         </p:spPr>
         <p:txBody>
-          <a:bodyPr lIns="45719" rIns="45719" anchor="ctr"/>
+          <a:bodyPr lIns="45718" tIns="45718" rIns="45718" bIns="45718" anchor="ctr"/>
           <a:lstStyle/>
           <a:p>
-            <a:pPr algn="ctr"/>
+            <a:pPr algn="ctr">
+              <a:defRPr>
+                <a:latin typeface="+mn-lt"/>
+                <a:ea typeface="+mn-ea"/>
+                <a:cs typeface="+mn-cs"/>
+                <a:sym typeface="Calibri"/>
+              </a:defRPr>
+            </a:pPr>
           </a:p>
         </p:txBody>
       </p:sp>
@@ -3735,8 +3618,8 @@
         </p:nvSpPr>
         <p:spPr>
           <a:xfrm>
-            <a:off x="6161564" y="1493592"/>
-            <a:ext cx="1570356" cy="358141"/>
+            <a:off x="6161563" y="1493590"/>
+            <a:ext cx="1570358" cy="358137"/>
           </a:xfrm>
           <a:prstGeom prst="rect">
             <a:avLst/>
@@ -3751,10 +3634,19 @@
           </a:extLst>
         </p:spPr>
         <p:txBody>
-          <a:bodyPr lIns="45719" rIns="45719">
+          <a:bodyPr lIns="45718" tIns="45718" rIns="45718" bIns="45718">
             <a:spAutoFit/>
           </a:bodyPr>
-          <a:lstStyle/>
+          <a:lstStyle>
+            <a:lvl1pPr>
+              <a:defRPr>
+                <a:latin typeface="+mn-lt"/>
+                <a:ea typeface="+mn-ea"/>
+                <a:cs typeface="+mn-cs"/>
+                <a:sym typeface="Calibri"/>
+              </a:defRPr>
+            </a:lvl1pPr>
+          </a:lstStyle>
           <a:p>
             <a:pPr/>
             <a:r>
@@ -3763,24 +3655,21 @@
           </a:p>
         </p:txBody>
       </p:sp>
-      <p:cxnSp>
-        <p:nvCxnSpPr>
+      <p:sp>
+        <p:nvSpPr>
           <p:cNvPr id="118" name="Connection Line"/>
-          <p:cNvCxnSpPr>
-            <a:stCxn id="116" idx="0"/>
-            <a:endCxn id="112" idx="0"/>
-          </p:cNvCxnSpPr>
+          <p:cNvSpPr/>
           <p:nvPr/>
-        </p:nvCxnSpPr>
+        </p:nvSpPr>
         <p:spPr>
-          <a:xfrm>
-            <a:off x="5969662" y="1918940"/>
-            <a:ext cx="2923919" cy="1"/>
+          <a:xfrm flipV="1">
+            <a:off x="6214533" y="1918940"/>
+            <a:ext cx="1558019" cy="2"/>
           </a:xfrm>
-          <a:prstGeom prst="straightConnector1">
+          <a:prstGeom prst="line">
             <a:avLst/>
           </a:prstGeom>
-          <a:ln w="12700">
+          <a:ln w="25400">
             <a:solidFill>
               <a:schemeClr val="accent1"/>
             </a:solidFill>
@@ -3788,69 +3677,137 @@
             <a:tailEnd type="triangle"/>
           </a:ln>
         </p:spPr>
-      </p:cxnSp>
+        <p:txBody>
+          <a:bodyPr lIns="45718" tIns="45718" rIns="45718" bIns="45718"/>
+          <a:lstStyle/>
+          <a:p>
+            <a:pPr/>
+          </a:p>
+        </p:txBody>
+      </p:sp>
+      <p:grpSp>
+        <p:nvGrpSpPr>
+          <p:cNvPr id="121" name="Display error: Invalid Format"/>
+          <p:cNvGrpSpPr/>
+          <p:nvPr/>
+        </p:nvGrpSpPr>
+        <p:grpSpPr>
+          <a:xfrm>
+            <a:off x="5076039" y="3028020"/>
+            <a:ext cx="1768832" cy="801963"/>
+            <a:chOff x="0" y="0"/>
+            <a:chExt cx="1768830" cy="801961"/>
+          </a:xfrm>
+        </p:grpSpPr>
+        <p:sp>
+          <p:nvSpPr>
+            <p:cNvPr id="119" name="Rounded Rectangle"/>
+            <p:cNvSpPr/>
+            <p:nvPr/>
+          </p:nvSpPr>
+          <p:spPr>
+            <a:xfrm>
+              <a:off x="0" y="-1"/>
+              <a:ext cx="1768832" cy="801963"/>
+            </a:xfrm>
+            <a:prstGeom prst="roundRect">
+              <a:avLst>
+                <a:gd name="adj" fmla="val 23754"/>
+              </a:avLst>
+            </a:prstGeom>
+            <a:solidFill>
+              <a:srgbClr val="FFFFFF"/>
+            </a:solidFill>
+            <a:ln w="12700" cap="flat">
+              <a:solidFill>
+                <a:schemeClr val="accent1"/>
+              </a:solidFill>
+              <a:prstDash val="solid"/>
+              <a:miter lim="800000"/>
+            </a:ln>
+            <a:effectLst/>
+          </p:spPr>
+          <p:txBody>
+            <a:bodyPr wrap="square" lIns="45718" tIns="45718" rIns="45718" bIns="45718" numCol="1" anchor="ctr">
+              <a:noAutofit/>
+            </a:bodyPr>
+            <a:lstStyle/>
+            <a:p>
+              <a:pPr algn="ctr">
+                <a:defRPr>
+                  <a:latin typeface="+mn-lt"/>
+                  <a:ea typeface="+mn-ea"/>
+                  <a:cs typeface="+mn-cs"/>
+                  <a:sym typeface="Calibri"/>
+                </a:defRPr>
+              </a:pPr>
+            </a:p>
+          </p:txBody>
+        </p:sp>
+        <p:sp>
+          <p:nvSpPr>
+            <p:cNvPr id="120" name="Display error: Invalid Format"/>
+            <p:cNvSpPr txBox="1"/>
+            <p:nvPr/>
+          </p:nvSpPr>
+          <p:spPr>
+            <a:xfrm>
+              <a:off x="55795" y="88560"/>
+              <a:ext cx="1657240" cy="624837"/>
+            </a:xfrm>
+            <a:prstGeom prst="rect">
+              <a:avLst/>
+            </a:prstGeom>
+            <a:noFill/>
+            <a:ln w="12700" cap="flat">
+              <a:noFill/>
+              <a:miter lim="400000"/>
+            </a:ln>
+            <a:effectLst/>
+            <a:extLst>
+              <a:ext uri="{C572A759-6A51-4108-AA02-DFA0A04FC94B}">
+                <ma14:wrappingTextBoxFlag xmlns:ma14="http://schemas.microsoft.com/office/mac/drawingml/2011/main" val="1"/>
+              </a:ext>
+            </a:extLst>
+          </p:spPr>
+          <p:txBody>
+            <a:bodyPr wrap="square" lIns="45718" tIns="45718" rIns="45718" bIns="45718" numCol="1" anchor="ctr">
+              <a:spAutoFit/>
+            </a:bodyPr>
+            <a:lstStyle>
+              <a:lvl1pPr algn="ctr">
+                <a:defRPr>
+                  <a:latin typeface="+mn-lt"/>
+                  <a:ea typeface="+mn-ea"/>
+                  <a:cs typeface="+mn-cs"/>
+                  <a:sym typeface="Calibri"/>
+                </a:defRPr>
+              </a:lvl1pPr>
+            </a:lstStyle>
+            <a:p>
+              <a:pPr/>
+              <a:r>
+                <a:t>Display error: Invalid Format</a:t>
+              </a:r>
+            </a:p>
+          </p:txBody>
+        </p:sp>
+      </p:grpSp>
       <p:sp>
         <p:nvSpPr>
-          <p:cNvPr id="119" name="Display error: Invalid Format"/>
+          <p:cNvPr id="122" name="Connection Line"/>
           <p:cNvSpPr/>
           <p:nvPr/>
         </p:nvSpPr>
         <p:spPr>
-          <a:xfrm>
-            <a:off x="5076039" y="3028020"/>
-            <a:ext cx="1768829" cy="801960"/>
+          <a:xfrm flipH="1">
+            <a:off x="5962937" y="2162328"/>
+            <a:ext cx="5243" cy="859344"/>
           </a:xfrm>
-          <a:prstGeom prst="roundRect">
-            <a:avLst>
-              <a:gd name="adj" fmla="val 23754"/>
-            </a:avLst>
-          </a:prstGeom>
-          <a:solidFill>
-            <a:srgbClr val="FFFFFF"/>
-          </a:solidFill>
-          <a:ln w="12700">
-            <a:solidFill>
-              <a:schemeClr val="accent1"/>
-            </a:solidFill>
-            <a:miter/>
-          </a:ln>
-          <a:extLst>
-            <a:ext uri="{C572A759-6A51-4108-AA02-DFA0A04FC94B}">
-              <ma14:wrappingTextBoxFlag xmlns:ma14="http://schemas.microsoft.com/office/mac/drawingml/2011/main" val="1"/>
-            </a:ext>
-          </a:extLst>
-        </p:spPr>
-        <p:txBody>
-          <a:bodyPr lIns="45719" rIns="45719" anchor="ctr"/>
-          <a:lstStyle>
-            <a:lvl1pPr algn="ctr"/>
-          </a:lstStyle>
-          <a:p>
-            <a:pPr/>
-            <a:r>
-              <a:t>Display error: Invalid Format</a:t>
-            </a:r>
-          </a:p>
-        </p:txBody>
-      </p:sp>
-      <p:cxnSp>
-        <p:nvCxnSpPr>
-          <p:cNvPr id="120" name="Connection Line"/>
-          <p:cNvCxnSpPr>
-            <a:stCxn id="116" idx="0"/>
-            <a:endCxn id="119" idx="0"/>
-          </p:cNvCxnSpPr>
-          <p:nvPr/>
-        </p:nvCxnSpPr>
-        <p:spPr>
-          <a:xfrm flipH="1">
-            <a:off x="5960453" y="1918940"/>
-            <a:ext cx="9210" cy="1510060"/>
-          </a:xfrm>
-          <a:prstGeom prst="straightConnector1">
+          <a:prstGeom prst="line">
             <a:avLst/>
           </a:prstGeom>
-          <a:ln w="12700">
+          <a:ln w="25400">
             <a:solidFill>
               <a:schemeClr val="accent1"/>
             </a:solidFill>
@@ -3858,17 +3815,24 @@
             <a:tailEnd type="triangle"/>
           </a:ln>
         </p:spPr>
-      </p:cxnSp>
+        <p:txBody>
+          <a:bodyPr lIns="45718" tIns="45718" rIns="45718" bIns="45718"/>
+          <a:lstStyle/>
+          <a:p>
+            <a:pPr/>
+          </a:p>
+        </p:txBody>
+      </p:sp>
       <p:sp>
         <p:nvSpPr>
-          <p:cNvPr id="121" name="TextBox 47"/>
+          <p:cNvPr id="123" name="TextBox 47"/>
           <p:cNvSpPr txBox="1"/>
           <p:nvPr/>
         </p:nvSpPr>
         <p:spPr>
           <a:xfrm>
-            <a:off x="5184484" y="2560050"/>
-            <a:ext cx="1570356" cy="358141"/>
+            <a:off x="5184483" y="2560048"/>
+            <a:ext cx="1570358" cy="358137"/>
           </a:xfrm>
           <a:prstGeom prst="rect">
             <a:avLst/>
@@ -3883,10 +3847,19 @@
           </a:extLst>
         </p:spPr>
         <p:txBody>
-          <a:bodyPr lIns="45719" rIns="45719">
+          <a:bodyPr lIns="45718" tIns="45718" rIns="45718" bIns="45718">
             <a:spAutoFit/>
           </a:bodyPr>
-          <a:lstStyle/>
+          <a:lstStyle>
+            <a:lvl1pPr>
+              <a:defRPr>
+                <a:latin typeface="+mn-lt"/>
+                <a:ea typeface="+mn-ea"/>
+                <a:cs typeface="+mn-cs"/>
+                <a:sym typeface="Calibri"/>
+              </a:defRPr>
+            </a:lvl1pPr>
+          </a:lstStyle>
           <a:p>
             <a:pPr/>
             <a:r>
@@ -3895,172 +3868,371 @@
           </a:p>
         </p:txBody>
       </p:sp>
+      <p:grpSp>
+        <p:nvGrpSpPr>
+          <p:cNvPr id="126" name="Create new Restaurant with merged categories"/>
+          <p:cNvGrpSpPr/>
+          <p:nvPr/>
+        </p:nvGrpSpPr>
+        <p:grpSpPr>
+          <a:xfrm>
+            <a:off x="7825223" y="2937423"/>
+            <a:ext cx="2136715" cy="983156"/>
+            <a:chOff x="0" y="0"/>
+            <a:chExt cx="2136713" cy="983155"/>
+          </a:xfrm>
+        </p:grpSpPr>
+        <p:sp>
+          <p:nvSpPr>
+            <p:cNvPr id="124" name="Rounded Rectangle"/>
+            <p:cNvSpPr/>
+            <p:nvPr/>
+          </p:nvSpPr>
+          <p:spPr>
+            <a:xfrm>
+              <a:off x="0" y="0"/>
+              <a:ext cx="2136714" cy="983156"/>
+            </a:xfrm>
+            <a:prstGeom prst="roundRect">
+              <a:avLst>
+                <a:gd name="adj" fmla="val 19376"/>
+              </a:avLst>
+            </a:prstGeom>
+            <a:solidFill>
+              <a:srgbClr val="FFFFFF"/>
+            </a:solidFill>
+            <a:ln w="12700" cap="flat">
+              <a:solidFill>
+                <a:schemeClr val="accent1"/>
+              </a:solidFill>
+              <a:prstDash val="solid"/>
+              <a:miter lim="800000"/>
+            </a:ln>
+            <a:effectLst/>
+          </p:spPr>
+          <p:txBody>
+            <a:bodyPr wrap="square" lIns="45718" tIns="45718" rIns="45718" bIns="45718" numCol="1" anchor="ctr">
+              <a:noAutofit/>
+            </a:bodyPr>
+            <a:lstStyle/>
+            <a:p>
+              <a:pPr algn="ctr">
+                <a:defRPr>
+                  <a:latin typeface="+mn-lt"/>
+                  <a:ea typeface="+mn-ea"/>
+                  <a:cs typeface="+mn-cs"/>
+                  <a:sym typeface="Calibri"/>
+                </a:defRPr>
+              </a:pPr>
+            </a:p>
+          </p:txBody>
+        </p:sp>
+        <p:sp>
+          <p:nvSpPr>
+            <p:cNvPr id="125" name="Create new Restaurant with merged categories"/>
+            <p:cNvSpPr txBox="1"/>
+            <p:nvPr/>
+          </p:nvSpPr>
+          <p:spPr>
+            <a:xfrm>
+              <a:off x="55793" y="45806"/>
+              <a:ext cx="2025127" cy="891537"/>
+            </a:xfrm>
+            <a:prstGeom prst="rect">
+              <a:avLst/>
+            </a:prstGeom>
+            <a:noFill/>
+            <a:ln w="12700" cap="flat">
+              <a:noFill/>
+              <a:miter lim="400000"/>
+            </a:ln>
+            <a:effectLst/>
+            <a:extLst>
+              <a:ext uri="{C572A759-6A51-4108-AA02-DFA0A04FC94B}">
+                <ma14:wrappingTextBoxFlag xmlns:ma14="http://schemas.microsoft.com/office/mac/drawingml/2011/main" val="1"/>
+              </a:ext>
+            </a:extLst>
+          </p:spPr>
+          <p:txBody>
+            <a:bodyPr wrap="square" lIns="45718" tIns="45718" rIns="45718" bIns="45718" numCol="1" anchor="ctr">
+              <a:spAutoFit/>
+            </a:bodyPr>
+            <a:lstStyle>
+              <a:lvl1pPr algn="ctr">
+                <a:defRPr>
+                  <a:latin typeface="+mn-lt"/>
+                  <a:ea typeface="+mn-ea"/>
+                  <a:cs typeface="+mn-cs"/>
+                  <a:sym typeface="Calibri"/>
+                </a:defRPr>
+              </a:lvl1pPr>
+            </a:lstStyle>
+            <a:p>
+              <a:pPr/>
+              <a:r>
+                <a:t>Create new Restaurant with merged categories</a:t>
+              </a:r>
+            </a:p>
+          </p:txBody>
+        </p:sp>
+      </p:grpSp>
       <p:sp>
         <p:nvSpPr>
-          <p:cNvPr id="122" name="Create new Restaurant with merged categories"/>
+          <p:cNvPr id="127" name="Connection Line"/>
+          <p:cNvSpPr/>
+          <p:nvPr/>
+        </p:nvSpPr>
+        <p:spPr>
+          <a:xfrm flipV="1">
+            <a:off x="8893579" y="2631251"/>
+            <a:ext cx="2" cy="299824"/>
+          </a:xfrm>
+          <a:prstGeom prst="line">
+            <a:avLst/>
+          </a:prstGeom>
+          <a:ln w="25400">
+            <a:solidFill>
+              <a:schemeClr val="accent1"/>
+            </a:solidFill>
+            <a:miter/>
+            <a:headEnd type="triangle"/>
+          </a:ln>
+        </p:spPr>
+        <p:txBody>
+          <a:bodyPr lIns="45718" tIns="45718" rIns="45718" bIns="45718"/>
+          <a:lstStyle/>
+          <a:p>
+            <a:pPr/>
+          </a:p>
+        </p:txBody>
+      </p:sp>
+      <p:grpSp>
+        <p:nvGrpSpPr>
+          <p:cNvPr id="130" name="Update Food Diary with new restaurant"/>
+          <p:cNvGrpSpPr/>
+          <p:nvPr/>
+        </p:nvGrpSpPr>
+        <p:grpSpPr>
+          <a:xfrm>
+            <a:off x="7910716" y="4376148"/>
+            <a:ext cx="1965731" cy="1178397"/>
+            <a:chOff x="0" y="0"/>
+            <a:chExt cx="1965730" cy="1178396"/>
+          </a:xfrm>
+        </p:grpSpPr>
+        <p:sp>
+          <p:nvSpPr>
+            <p:cNvPr id="128" name="Rounded Rectangle"/>
+            <p:cNvSpPr/>
+            <p:nvPr/>
+          </p:nvSpPr>
+          <p:spPr>
+            <a:xfrm>
+              <a:off x="-1" y="0"/>
+              <a:ext cx="1965732" cy="1178397"/>
+            </a:xfrm>
+            <a:prstGeom prst="roundRect">
+              <a:avLst>
+                <a:gd name="adj" fmla="val 21676"/>
+              </a:avLst>
+            </a:prstGeom>
+            <a:solidFill>
+              <a:srgbClr val="FFFFFF"/>
+            </a:solidFill>
+            <a:ln w="12700" cap="flat">
+              <a:solidFill>
+                <a:schemeClr val="accent1"/>
+              </a:solidFill>
+              <a:prstDash val="solid"/>
+              <a:miter lim="800000"/>
+            </a:ln>
+            <a:effectLst/>
+          </p:spPr>
+          <p:txBody>
+            <a:bodyPr wrap="square" lIns="45718" tIns="45718" rIns="45718" bIns="45718" numCol="1" anchor="ctr">
+              <a:noAutofit/>
+            </a:bodyPr>
+            <a:lstStyle/>
+            <a:p>
+              <a:pPr algn="ctr">
+                <a:defRPr>
+                  <a:latin typeface="+mn-lt"/>
+                  <a:ea typeface="+mn-ea"/>
+                  <a:cs typeface="+mn-cs"/>
+                  <a:sym typeface="Calibri"/>
+                </a:defRPr>
+              </a:pPr>
+            </a:p>
+          </p:txBody>
+        </p:sp>
+        <p:sp>
+          <p:nvSpPr>
+            <p:cNvPr id="129" name="Update Food Diary with new restaurant"/>
+            <p:cNvSpPr txBox="1"/>
+            <p:nvPr/>
+          </p:nvSpPr>
+          <p:spPr>
+            <a:xfrm>
+              <a:off x="74812" y="143429"/>
+              <a:ext cx="1816105" cy="891537"/>
+            </a:xfrm>
+            <a:prstGeom prst="rect">
+              <a:avLst/>
+            </a:prstGeom>
+            <a:noFill/>
+            <a:ln w="12700" cap="flat">
+              <a:noFill/>
+              <a:miter lim="400000"/>
+            </a:ln>
+            <a:effectLst/>
+            <a:extLst>
+              <a:ext uri="{C572A759-6A51-4108-AA02-DFA0A04FC94B}">
+                <ma14:wrappingTextBoxFlag xmlns:ma14="http://schemas.microsoft.com/office/mac/drawingml/2011/main" val="1"/>
+              </a:ext>
+            </a:extLst>
+          </p:spPr>
+          <p:txBody>
+            <a:bodyPr wrap="square" lIns="45718" tIns="45718" rIns="45718" bIns="45718" numCol="1" anchor="ctr">
+              <a:spAutoFit/>
+            </a:bodyPr>
+            <a:lstStyle>
+              <a:lvl1pPr algn="ctr">
+                <a:defRPr>
+                  <a:latin typeface="+mn-lt"/>
+                  <a:ea typeface="+mn-ea"/>
+                  <a:cs typeface="+mn-cs"/>
+                  <a:sym typeface="Calibri"/>
+                </a:defRPr>
+              </a:lvl1pPr>
+            </a:lstStyle>
+            <a:p>
+              <a:pPr/>
+              <a:r>
+                <a:t>Update Food Diary with new restaurant</a:t>
+              </a:r>
+            </a:p>
+          </p:txBody>
+        </p:sp>
+      </p:grpSp>
+      <p:sp>
+        <p:nvSpPr>
+          <p:cNvPr id="131" name="Connection Line"/>
+          <p:cNvSpPr/>
+          <p:nvPr/>
+        </p:nvSpPr>
+        <p:spPr>
+          <a:xfrm flipH="1" flipV="1">
+            <a:off x="8893579" y="3926833"/>
+            <a:ext cx="2" cy="442967"/>
+          </a:xfrm>
+          <a:prstGeom prst="line">
+            <a:avLst/>
+          </a:prstGeom>
+          <a:ln w="25400">
+            <a:solidFill>
+              <a:schemeClr val="accent1"/>
+            </a:solidFill>
+            <a:miter/>
+            <a:headEnd type="triangle"/>
+          </a:ln>
+        </p:spPr>
+        <p:txBody>
+          <a:bodyPr lIns="45718" tIns="45718" rIns="45718" bIns="45718"/>
+          <a:lstStyle/>
+          <a:p>
+            <a:pPr/>
+          </a:p>
+        </p:txBody>
+      </p:sp>
+      <p:sp>
+        <p:nvSpPr>
+          <p:cNvPr id="132" name="Connection Line"/>
           <p:cNvSpPr/>
           <p:nvPr/>
         </p:nvSpPr>
         <p:spPr>
           <a:xfrm>
-            <a:off x="7825224" y="2937424"/>
-            <a:ext cx="2136712" cy="983152"/>
+            <a:off x="9882788" y="4965345"/>
+            <a:ext cx="1632837" cy="1"/>
           </a:xfrm>
-          <a:prstGeom prst="roundRect">
-            <a:avLst>
-              <a:gd name="adj" fmla="val 19376"/>
-            </a:avLst>
+          <a:prstGeom prst="line">
+            <a:avLst/>
           </a:prstGeom>
-          <a:solidFill>
-            <a:srgbClr val="FFFFFF"/>
-          </a:solidFill>
-          <a:ln w="12700">
+          <a:ln w="25400">
             <a:solidFill>
               <a:schemeClr val="accent1"/>
             </a:solidFill>
             <a:miter/>
+            <a:tailEnd type="triangle"/>
           </a:ln>
-          <a:extLst>
-            <a:ext uri="{C572A759-6A51-4108-AA02-DFA0A04FC94B}">
-              <ma14:wrappingTextBoxFlag xmlns:ma14="http://schemas.microsoft.com/office/mac/drawingml/2011/main" val="1"/>
-            </a:ext>
-          </a:extLst>
         </p:spPr>
         <p:txBody>
-          <a:bodyPr lIns="45719" rIns="45719" anchor="ctr"/>
-          <a:lstStyle>
-            <a:lvl1pPr algn="ctr"/>
-          </a:lstStyle>
+          <a:bodyPr lIns="45718" tIns="45718" rIns="45718" bIns="45718"/>
+          <a:lstStyle/>
           <a:p>
             <a:pPr/>
-            <a:r>
-              <a:t>Create new Restaurant with merged categories</a:t>
-            </a:r>
           </a:p>
         </p:txBody>
       </p:sp>
-      <p:cxnSp>
-        <p:nvCxnSpPr>
-          <p:cNvPr id="123" name="Connection Line"/>
-          <p:cNvCxnSpPr>
-            <a:stCxn id="122" idx="0"/>
-            <a:endCxn id="112" idx="0"/>
-          </p:cNvCxnSpPr>
+      <p:sp>
+        <p:nvSpPr>
+          <p:cNvPr id="133" name="Connection Line"/>
+          <p:cNvSpPr/>
           <p:nvPr/>
-        </p:nvCxnSpPr>
+        </p:nvSpPr>
         <p:spPr>
-          <a:xfrm flipH="1" flipV="1">
-            <a:off x="8893580" y="1918940"/>
-            <a:ext cx="1" cy="1510060"/>
+          <a:xfrm flipV="1">
+            <a:off x="2505515" y="3400592"/>
+            <a:ext cx="1039338" cy="16155"/>
           </a:xfrm>
-          <a:prstGeom prst="straightConnector1">
+          <a:prstGeom prst="line">
             <a:avLst/>
           </a:prstGeom>
-          <a:ln w="12700">
+          <a:ln w="25400">
             <a:solidFill>
               <a:schemeClr val="accent1"/>
             </a:solidFill>
-            <a:miter/>
-            <a:headEnd type="triangle"/>
+            <a:miter lim="400000"/>
+            <a:tailEnd type="triangle"/>
           </a:ln>
         </p:spPr>
-      </p:cxnSp>
+        <p:txBody>
+          <a:bodyPr lIns="45718" tIns="45718" rIns="45718" bIns="45718"/>
+          <a:lstStyle/>
+          <a:p>
+            <a:pPr/>
+          </a:p>
+        </p:txBody>
+      </p:sp>
       <p:sp>
         <p:nvSpPr>
-          <p:cNvPr id="124" name="Update Food Diary with new restaurant"/>
+          <p:cNvPr id="134" name="Connection Line"/>
           <p:cNvSpPr/>
           <p:nvPr/>
         </p:nvSpPr>
         <p:spPr>
           <a:xfrm>
-            <a:off x="7910716" y="4376148"/>
-            <a:ext cx="1965728" cy="1178396"/>
+            <a:off x="707499" y="3400287"/>
+            <a:ext cx="221234" cy="6294"/>
           </a:xfrm>
-          <a:prstGeom prst="roundRect">
-            <a:avLst>
-              <a:gd name="adj" fmla="val 21676"/>
-            </a:avLst>
-          </a:prstGeom>
-          <a:solidFill>
-            <a:srgbClr val="FFFFFF"/>
-          </a:solidFill>
-          <a:ln w="12700">
-            <a:solidFill>
-              <a:schemeClr val="accent1"/>
-            </a:solidFill>
-            <a:miter/>
-          </a:ln>
-          <a:extLst>
-            <a:ext uri="{C572A759-6A51-4108-AA02-DFA0A04FC94B}">
-              <ma14:wrappingTextBoxFlag xmlns:ma14="http://schemas.microsoft.com/office/mac/drawingml/2011/main" val="1"/>
-            </a:ext>
-          </a:extLst>
-        </p:spPr>
-        <p:txBody>
-          <a:bodyPr lIns="45719" rIns="45719" anchor="ctr"/>
-          <a:lstStyle>
-            <a:lvl1pPr algn="ctr"/>
-          </a:lstStyle>
-          <a:p>
-            <a:pPr/>
-            <a:r>
-              <a:t>Update Food Diary with new restaurant</a:t>
-            </a:r>
-          </a:p>
-        </p:txBody>
-      </p:sp>
-      <p:cxnSp>
-        <p:nvCxnSpPr>
-          <p:cNvPr id="125" name="Connection Line"/>
-          <p:cNvCxnSpPr>
-            <a:stCxn id="124" idx="0"/>
-            <a:endCxn id="122" idx="0"/>
-          </p:cNvCxnSpPr>
-          <p:nvPr/>
-        </p:nvCxnSpPr>
-        <p:spPr>
-          <a:xfrm flipV="1">
-            <a:off x="8893580" y="3428999"/>
-            <a:ext cx="1" cy="1536347"/>
-          </a:xfrm>
-          <a:prstGeom prst="straightConnector1">
+          <a:prstGeom prst="line">
             <a:avLst/>
           </a:prstGeom>
-          <a:ln w="12700">
+          <a:ln w="25400">
             <a:solidFill>
               <a:schemeClr val="accent1"/>
             </a:solidFill>
-            <a:miter/>
-            <a:headEnd type="triangle"/>
-          </a:ln>
-        </p:spPr>
-      </p:cxnSp>
-      <p:cxnSp>
-        <p:nvCxnSpPr>
-          <p:cNvPr id="126" name="Connection Line"/>
-          <p:cNvCxnSpPr>
-            <a:stCxn id="124" idx="0"/>
-            <a:endCxn id="100" idx="0"/>
-          </p:cNvCxnSpPr>
-          <p:nvPr/>
-        </p:nvCxnSpPr>
-        <p:spPr>
-          <a:xfrm>
-            <a:off x="8893580" y="4965345"/>
-            <a:ext cx="1851624" cy="1"/>
-          </a:xfrm>
-          <a:prstGeom prst="straightConnector1">
-            <a:avLst/>
-          </a:prstGeom>
-          <a:ln w="12700">
-            <a:solidFill>
-              <a:schemeClr val="accent1"/>
-            </a:solidFill>
-            <a:miter/>
             <a:tailEnd type="triangle"/>
           </a:ln>
         </p:spPr>
-      </p:cxnSp>
+        <p:txBody>
+          <a:bodyPr lIns="45718" tIns="45718" rIns="45718" bIns="45718"/>
+          <a:lstStyle/>
+          <a:p>
+            <a:pPr/>
+          </a:p>
+        </p:txBody>
+      </p:sp>
     </p:spTree>
   </p:cSld>
   <p:clrMapOvr>
@@ -4113,14 +4285,14 @@
     </a:clrScheme>
     <a:fontScheme name="Office Theme">
       <a:majorFont>
+        <a:latin typeface="Helvetica"/>
+        <a:ea typeface="Helvetica"/>
+        <a:cs typeface="Helvetica"/>
+      </a:majorFont>
+      <a:minorFont>
         <a:latin typeface="Calibri"/>
         <a:ea typeface="Calibri"/>
         <a:cs typeface="Calibri"/>
-      </a:majorFont>
-      <a:minorFont>
-        <a:latin typeface="Helvetica"/>
-        <a:ea typeface="Helvetica"/>
-        <a:cs typeface="Helvetica"/>
       </a:minorFont>
     </a:fontScheme>
     <a:fmtScheme name="Office Theme">
@@ -4263,17 +4435,17 @@
         <a:solidFill>
           <a:srgbClr val="FFFFFF"/>
         </a:solidFill>
-        <a:ln w="12700" cap="flat">
+        <a:ln w="25400" cap="flat">
           <a:solidFill>
             <a:schemeClr val="accent1"/>
           </a:solidFill>
           <a:prstDash val="solid"/>
-          <a:miter lim="800000"/>
+          <a:round/>
         </a:ln>
         <a:effectLst/>
         <a:sp3d/>
       </a:spPr>
-      <a:bodyPr rot="0" spcFirstLastPara="1" vertOverflow="overflow" horzOverflow="overflow" vert="horz" wrap="square" lIns="45719" tIns="45719" rIns="45719" bIns="45719" numCol="1" spcCol="38100" rtlCol="0" anchor="ctr" upright="0">
+      <a:bodyPr rot="0" spcFirstLastPara="1" vertOverflow="overflow" horzOverflow="overflow" vert="horz" wrap="square" lIns="45718" tIns="45718" rIns="45718" bIns="45718" numCol="1" spcCol="38100" rtlCol="0" anchor="ctr" upright="0">
         <a:spAutoFit/>
       </a:bodyPr>
       <a:lstStyle>
@@ -4304,7 +4476,7 @@
             <a:latin typeface="+mj-lt"/>
             <a:ea typeface="+mj-ea"/>
             <a:cs typeface="+mj-cs"/>
-            <a:sym typeface="Calibri"/>
+            <a:sym typeface="Helvetica"/>
           </a:defRPr>
         </a:defPPr>
         <a:lvl1pPr marL="0" marR="0" indent="0" algn="l" defTabSz="914400" rtl="0" fontAlgn="auto" latinLnBrk="1" hangingPunct="0">
@@ -4552,12 +4724,12 @@
     <a:lnDef>
       <a:spPr>
         <a:noFill/>
-        <a:ln w="12700" cap="flat">
+        <a:ln w="25400" cap="flat">
           <a:solidFill>
             <a:schemeClr val="accent1"/>
           </a:solidFill>
           <a:prstDash val="solid"/>
-          <a:miter lim="800000"/>
+          <a:round/>
         </a:ln>
         <a:effectLst/>
         <a:sp3d/>
@@ -4844,7 +5016,7 @@
         <a:effectLst/>
         <a:sp3d/>
       </a:spPr>
-      <a:bodyPr rot="0" spcFirstLastPara="1" vertOverflow="overflow" horzOverflow="overflow" vert="horz" wrap="square" lIns="45719" tIns="45719" rIns="45719" bIns="45719" numCol="1" spcCol="38100" rtlCol="0" anchor="t" upright="0">
+      <a:bodyPr rot="0" spcFirstLastPara="1" vertOverflow="overflow" horzOverflow="overflow" vert="horz" wrap="square" lIns="45718" tIns="45718" rIns="45718" bIns="45718" numCol="1" spcCol="38100" rtlCol="0" anchor="t" upright="0">
         <a:spAutoFit/>
       </a:bodyPr>
       <a:lstStyle>
@@ -4875,7 +5047,7 @@
             <a:latin typeface="+mj-lt"/>
             <a:ea typeface="+mj-ea"/>
             <a:cs typeface="+mj-cs"/>
-            <a:sym typeface="Calibri"/>
+            <a:sym typeface="Helvetica"/>
           </a:defRPr>
         </a:defPPr>
         <a:lvl1pPr marL="0" marR="0" indent="0" algn="l" defTabSz="914400" rtl="0" fontAlgn="auto" latinLnBrk="1" hangingPunct="0">
@@ -5167,14 +5339,14 @@
     </a:clrScheme>
     <a:fontScheme name="Office Theme">
       <a:majorFont>
+        <a:latin typeface="Helvetica"/>
+        <a:ea typeface="Helvetica"/>
+        <a:cs typeface="Helvetica"/>
+      </a:majorFont>
+      <a:minorFont>
         <a:latin typeface="Calibri"/>
         <a:ea typeface="Calibri"/>
         <a:cs typeface="Calibri"/>
-      </a:majorFont>
-      <a:minorFont>
-        <a:latin typeface="Helvetica"/>
-        <a:ea typeface="Helvetica"/>
-        <a:cs typeface="Helvetica"/>
       </a:minorFont>
     </a:fontScheme>
     <a:fmtScheme name="Office Theme">
@@ -5317,17 +5489,17 @@
         <a:solidFill>
           <a:srgbClr val="FFFFFF"/>
         </a:solidFill>
-        <a:ln w="12700" cap="flat">
+        <a:ln w="25400" cap="flat">
           <a:solidFill>
             <a:schemeClr val="accent1"/>
           </a:solidFill>
           <a:prstDash val="solid"/>
-          <a:miter lim="800000"/>
+          <a:round/>
         </a:ln>
         <a:effectLst/>
         <a:sp3d/>
       </a:spPr>
-      <a:bodyPr rot="0" spcFirstLastPara="1" vertOverflow="overflow" horzOverflow="overflow" vert="horz" wrap="square" lIns="45719" tIns="45719" rIns="45719" bIns="45719" numCol="1" spcCol="38100" rtlCol="0" anchor="ctr" upright="0">
+      <a:bodyPr rot="0" spcFirstLastPara="1" vertOverflow="overflow" horzOverflow="overflow" vert="horz" wrap="square" lIns="45718" tIns="45718" rIns="45718" bIns="45718" numCol="1" spcCol="38100" rtlCol="0" anchor="ctr" upright="0">
         <a:spAutoFit/>
       </a:bodyPr>
       <a:lstStyle>
@@ -5358,7 +5530,7 @@
             <a:latin typeface="+mj-lt"/>
             <a:ea typeface="+mj-ea"/>
             <a:cs typeface="+mj-cs"/>
-            <a:sym typeface="Calibri"/>
+            <a:sym typeface="Helvetica"/>
           </a:defRPr>
         </a:defPPr>
         <a:lvl1pPr marL="0" marR="0" indent="0" algn="l" defTabSz="914400" rtl="0" fontAlgn="auto" latinLnBrk="1" hangingPunct="0">
@@ -5606,12 +5778,12 @@
     <a:lnDef>
       <a:spPr>
         <a:noFill/>
-        <a:ln w="12700" cap="flat">
+        <a:ln w="25400" cap="flat">
           <a:solidFill>
             <a:schemeClr val="accent1"/>
           </a:solidFill>
           <a:prstDash val="solid"/>
-          <a:miter lim="800000"/>
+          <a:round/>
         </a:ln>
         <a:effectLst/>
         <a:sp3d/>
@@ -5898,7 +6070,7 @@
         <a:effectLst/>
         <a:sp3d/>
       </a:spPr>
-      <a:bodyPr rot="0" spcFirstLastPara="1" vertOverflow="overflow" horzOverflow="overflow" vert="horz" wrap="square" lIns="45719" tIns="45719" rIns="45719" bIns="45719" numCol="1" spcCol="38100" rtlCol="0" anchor="t" upright="0">
+      <a:bodyPr rot="0" spcFirstLastPara="1" vertOverflow="overflow" horzOverflow="overflow" vert="horz" wrap="square" lIns="45718" tIns="45718" rIns="45718" bIns="45718" numCol="1" spcCol="38100" rtlCol="0" anchor="t" upright="0">
         <a:spAutoFit/>
       </a:bodyPr>
       <a:lstStyle>
@@ -5929,7 +6101,7 @@
             <a:latin typeface="+mj-lt"/>
             <a:ea typeface="+mj-ea"/>
             <a:cs typeface="+mj-cs"/>
-            <a:sym typeface="Calibri"/>
+            <a:sym typeface="Helvetica"/>
           </a:defRPr>
         </a:defPPr>
         <a:lvl1pPr marL="0" marR="0" indent="0" algn="l" defTabSz="914400" rtl="0" fontAlgn="auto" latinLnBrk="1" hangingPunct="0">
